--- a/MathsJam.pptx
+++ b/MathsJam.pptx
@@ -118,17 +118,40 @@
 </p:presentation>
 </file>
 
-<file path=ppt/revisionInfo.xml><?xml version="1.0" encoding="utf-8"?>
-<p1510:revInfo xmlns:a="http://schemas.openxmlformats.org/drawingml/2006/main" xmlns:r="http://schemas.openxmlformats.org/officeDocument/2006/relationships" xmlns:p1510="http://schemas.microsoft.com/office/powerpoint/2015/10/main">
-  <p1510:revLst>
-    <p1510:client id="{9C36D3BF-C30C-4260-BD8E-36CC7930A945}" v="1" dt="2023-03-14T23:28:05.133"/>
-    <p1510:client id="{E9D2D8D7-A9B2-4585-82F1-B5E35DFACF77}" v="1" dt="2023-03-15T15:28:08.787"/>
-  </p1510:revLst>
-</p1510:revInfo>
-</file>
-
 <file path=ppt/changesInfos/changesInfo1.xml><?xml version="1.0" encoding="utf-8"?>
 <pc:chgInfo xmlns:a="http://schemas.openxmlformats.org/drawingml/2006/main" xmlns:r="http://schemas.openxmlformats.org/officeDocument/2006/relationships" xmlns:ac="http://schemas.microsoft.com/office/drawing/2013/main/command" xmlns:pc="http://schemas.microsoft.com/office/powerpoint/2013/main/command">
+  <pc:docChgLst>
+    <pc:chgData name="Mariah Birgen" userId="b10ecf27-fcd0-4f69-888c-a706ddbd43c5" providerId="ADAL" clId="{1F14A5C9-F64D-4924-9B4B-8827A8E48F45}"/>
+    <pc:docChg chg="custSel modSld">
+      <pc:chgData name="Mariah Birgen" userId="b10ecf27-fcd0-4f69-888c-a706ddbd43c5" providerId="ADAL" clId="{1F14A5C9-F64D-4924-9B4B-8827A8E48F45}" dt="2023-04-11T20:54:15.443" v="8" actId="20577"/>
+      <pc:docMkLst>
+        <pc:docMk/>
+      </pc:docMkLst>
+      <pc:sldChg chg="delSp modSp mod">
+        <pc:chgData name="Mariah Birgen" userId="b10ecf27-fcd0-4f69-888c-a706ddbd43c5" providerId="ADAL" clId="{1F14A5C9-F64D-4924-9B4B-8827A8E48F45}" dt="2023-04-11T20:54:15.443" v="8" actId="20577"/>
+        <pc:sldMkLst>
+          <pc:docMk/>
+          <pc:sldMk cId="1749219725" sldId="268"/>
+        </pc:sldMkLst>
+        <pc:spChg chg="del">
+          <ac:chgData name="Mariah Birgen" userId="b10ecf27-fcd0-4f69-888c-a706ddbd43c5" providerId="ADAL" clId="{1F14A5C9-F64D-4924-9B4B-8827A8E48F45}" dt="2023-04-11T20:53:52.811" v="0" actId="478"/>
+          <ac:spMkLst>
+            <pc:docMk/>
+            <pc:sldMk cId="1749219725" sldId="268"/>
+            <ac:spMk id="4" creationId="{6407BD81-55AF-887F-2ABC-A5B92B30F59C}"/>
+          </ac:spMkLst>
+        </pc:spChg>
+        <pc:spChg chg="mod">
+          <ac:chgData name="Mariah Birgen" userId="b10ecf27-fcd0-4f69-888c-a706ddbd43c5" providerId="ADAL" clId="{1F14A5C9-F64D-4924-9B4B-8827A8E48F45}" dt="2023-04-11T20:54:15.443" v="8" actId="20577"/>
+          <ac:spMkLst>
+            <pc:docMk/>
+            <pc:sldMk cId="1749219725" sldId="268"/>
+            <ac:spMk id="22" creationId="{6436C1BA-6AC9-D645-BF31-F5E682FD2F19}"/>
+          </ac:spMkLst>
+        </pc:spChg>
+      </pc:sldChg>
+    </pc:docChg>
+  </pc:docChgLst>
   <pc:docChgLst>
     <pc:chgData name="Mariah Birgen" userId="b10ecf27-fcd0-4f69-888c-a706ddbd43c5" providerId="ADAL" clId="{E9D2D8D7-A9B2-4585-82F1-B5E35DFACF77}"/>
     <pc:docChg chg="custSel modSld">
@@ -28325,7 +28348,7 @@
             <a:fld id="{D541487B-8511-D440-8421-7E31D83D5558}" type="datetimeFigureOut">
               <a:rPr lang="en-US" smtClean="0"/>
               <a:pPr/>
-              <a:t>3/14/2023</a:t>
+              <a:t>4/11/2023</a:t>
             </a:fld>
             <a:endParaRPr lang="en-US" dirty="0"/>
           </a:p>
@@ -29026,7 +29049,7 @@
             <a:fld id="{D541487B-8511-D440-8421-7E31D83D5558}" type="datetimeFigureOut">
               <a:rPr lang="en-US" smtClean="0"/>
               <a:pPr/>
-              <a:t>3/14/2023</a:t>
+              <a:t>4/11/2023</a:t>
             </a:fld>
             <a:endParaRPr lang="en-US" dirty="0"/>
           </a:p>
@@ -29601,7 +29624,7 @@
           <a:p>
             <a:fld id="{D541487B-8511-D440-8421-7E31D83D5558}" type="datetimeFigureOut">
               <a:rPr lang="en-US" smtClean="0"/>
-              <a:t>3/14/2023</a:t>
+              <a:t>4/11/2023</a:t>
             </a:fld>
             <a:endParaRPr lang="en-US" dirty="0"/>
           </a:p>
@@ -31677,7 +31700,7 @@
           <a:p>
             <a:fld id="{D541487B-8511-D440-8421-7E31D83D5558}" type="datetimeFigureOut">
               <a:rPr lang="en-US" smtClean="0"/>
-              <a:t>3/14/2023</a:t>
+              <a:t>4/11/2023</a:t>
             </a:fld>
             <a:endParaRPr lang="en-US" dirty="0"/>
           </a:p>
@@ -32225,7 +32248,7 @@
             <a:fld id="{435CA60F-FFC1-0F45-8FC4-48465EBE2778}" type="datetimeFigureOut">
               <a:rPr lang="en-US" smtClean="0"/>
               <a:pPr/>
-              <a:t>3/14/2023</a:t>
+              <a:t>4/11/2023</a:t>
             </a:fld>
             <a:endParaRPr lang="en-US" dirty="0"/>
           </a:p>
@@ -32788,7 +32811,7 @@
             <a:fld id="{313121A1-4E39-974B-A232-C4E939022B06}" type="datetimeFigureOut">
               <a:rPr lang="en-US" smtClean="0"/>
               <a:pPr/>
-              <a:t>3/14/2023</a:t>
+              <a:t>4/11/2023</a:t>
             </a:fld>
             <a:endParaRPr lang="en-US" dirty="0"/>
           </a:p>
@@ -33351,7 +33374,7 @@
             <a:fld id="{80038350-B08A-D84E-A34E-DF31257ED6A6}" type="datetimeFigureOut">
               <a:rPr lang="en-US" smtClean="0"/>
               <a:pPr/>
-              <a:t>3/14/2023</a:t>
+              <a:t>4/11/2023</a:t>
             </a:fld>
             <a:endParaRPr lang="en-US" dirty="0"/>
           </a:p>
@@ -34013,7 +34036,7 @@
           <a:p>
             <a:r>
               <a:rPr lang="en-US"/>
-              <a:t>March 20</a:t>
+              <a:t>April 17</a:t>
             </a:r>
             <a:endParaRPr lang="en-US" dirty="0"/>
           </a:p>
@@ -34312,54 +34335,6 @@
             <a:r>
               <a:rPr lang="en-US" sz="3600" dirty="0"/>
               <a:t>https://mathsjam.com/cities/waverly/</a:t>
-            </a:r>
-          </a:p>
-        </p:txBody>
-      </p:sp>
-      <p:sp>
-        <p:nvSpPr>
-          <p:cNvPr id="4" name="Rectangle 3">
-            <a:extLst>
-              <a:ext uri="{FF2B5EF4-FFF2-40B4-BE49-F238E27FC236}">
-                <a16:creationId xmlns:a16="http://schemas.microsoft.com/office/drawing/2014/main" id="{6407BD81-55AF-887F-2ABC-A5B92B30F59C}"/>
-              </a:ext>
-            </a:extLst>
-          </p:cNvPr>
-          <p:cNvSpPr/>
-          <p:nvPr/>
-        </p:nvSpPr>
-        <p:spPr>
-          <a:xfrm>
-            <a:off x="-47863" y="349549"/>
-            <a:ext cx="7749237" cy="923330"/>
-          </a:xfrm>
-          <a:prstGeom prst="rect">
-            <a:avLst/>
-          </a:prstGeom>
-          <a:noFill/>
-        </p:spPr>
-        <p:txBody>
-          <a:bodyPr wrap="none" lIns="91440" tIns="45720" rIns="91440" bIns="45720">
-            <a:spAutoFit/>
-          </a:bodyPr>
-          <a:lstStyle/>
-          <a:p>
-            <a:pPr algn="ctr"/>
-            <a:r>
-              <a:rPr lang="en-US" sz="5400" b="0" cap="none" spc="0" dirty="0">
-                <a:ln w="0"/>
-                <a:solidFill>
-                  <a:schemeClr val="tx1"/>
-                </a:solidFill>
-                <a:effectLst>
-                  <a:outerShdw blurRad="38100" dist="19050" dir="2700000" algn="tl" rotWithShape="0">
-                    <a:schemeClr val="dk1">
-                      <a:alpha val="40000"/>
-                    </a:schemeClr>
-                  </a:outerShdw>
-                </a:effectLst>
-              </a:rPr>
-              <a:t>Bring your Rubik's Cube</a:t>
             </a:r>
           </a:p>
         </p:txBody>
@@ -35444,6 +35419,15 @@
 </file>
 
 <file path=customXml/item1.xml><?xml version="1.0" encoding="utf-8"?>
+<?mso-contentType ?>
+<FormTemplates xmlns="http://schemas.microsoft.com/sharepoint/v3/contenttype/forms">
+  <Display>DocumentLibraryForm</Display>
+  <Edit>DocumentLibraryForm</Edit>
+  <New>DocumentLibraryForm</New>
+</FormTemplates>
+</file>
+
+<file path=customXml/item2.xml><?xml version="1.0" encoding="utf-8"?>
 <p:properties xmlns:p="http://schemas.microsoft.com/office/2006/metadata/properties" xmlns:xsi="http://www.w3.org/2001/XMLSchema-instance" xmlns:pc="http://schemas.microsoft.com/office/infopath/2007/PartnerControls">
   <documentManagement>
     <_ip_UnifiedCompliancePolicyUIAction xmlns="http://schemas.microsoft.com/sharepoint/v3" xsi:nil="true"/>
@@ -35461,15 +35445,6 @@
     <MediaServiceKeyPoints xmlns="71af3243-3dd4-4a8d-8c0d-dd76da1f02a5" xsi:nil="true"/>
   </documentManagement>
 </p:properties>
-</file>
-
-<file path=customXml/item2.xml><?xml version="1.0" encoding="utf-8"?>
-<?mso-contentType ?>
-<FormTemplates xmlns="http://schemas.microsoft.com/sharepoint/v3/contenttype/forms">
-  <Display>DocumentLibraryForm</Display>
-  <Edit>DocumentLibraryForm</Edit>
-  <New>DocumentLibraryForm</New>
-</FormTemplates>
 </file>
 
 <file path=customXml/item3.xml><?xml version="1.0" encoding="utf-8"?>
@@ -35761,6 +35736,14 @@
 </file>
 
 <file path=customXml/itemProps1.xml><?xml version="1.0" encoding="utf-8"?>
+<ds:datastoreItem xmlns:ds="http://schemas.openxmlformats.org/officeDocument/2006/customXml" ds:itemID="{4EE84556-F5AA-4F8D-9601-4206B119FC55}">
+  <ds:schemaRefs>
+    <ds:schemaRef ds:uri="http://schemas.microsoft.com/sharepoint/v3/contenttype/forms"/>
+  </ds:schemaRefs>
+</ds:datastoreItem>
+</file>
+
+<file path=customXml/itemProps2.xml><?xml version="1.0" encoding="utf-8"?>
 <ds:datastoreItem xmlns:ds="http://schemas.openxmlformats.org/officeDocument/2006/customXml" ds:itemID="{9E9BB509-C5F1-4914-8021-036A31979402}">
   <ds:schemaRefs>
     <ds:schemaRef ds:uri="http://purl.org/dc/elements/1.1/"/>
@@ -35775,14 +35758,6 @@
     <ds:schemaRef ds:uri="http://schemas.openxmlformats.org/package/2006/metadata/core-properties"/>
     <ds:schemaRef ds:uri="71af3243-3dd4-4a8d-8c0d-dd76da1f02a5"/>
     <ds:schemaRef ds:uri="http://www.w3.org/XML/1998/namespace"/>
-  </ds:schemaRefs>
-</ds:datastoreItem>
-</file>
-
-<file path=customXml/itemProps2.xml><?xml version="1.0" encoding="utf-8"?>
-<ds:datastoreItem xmlns:ds="http://schemas.openxmlformats.org/officeDocument/2006/customXml" ds:itemID="{4EE84556-F5AA-4F8D-9601-4206B119FC55}">
-  <ds:schemaRefs>
-    <ds:schemaRef ds:uri="http://schemas.microsoft.com/sharepoint/v3/contenttype/forms"/>
   </ds:schemaRefs>
 </ds:datastoreItem>
 </file>

--- a/MathsJam.pptx
+++ b/MathsJam.pptx
@@ -123,12 +123,12 @@
   <pc:docChgLst>
     <pc:chgData name="Mariah Birgen" userId="b10ecf27-fcd0-4f69-888c-a706ddbd43c5" providerId="ADAL" clId="{1F14A5C9-F64D-4924-9B4B-8827A8E48F45}"/>
     <pc:docChg chg="custSel modSld">
-      <pc:chgData name="Mariah Birgen" userId="b10ecf27-fcd0-4f69-888c-a706ddbd43c5" providerId="ADAL" clId="{1F14A5C9-F64D-4924-9B4B-8827A8E48F45}" dt="2023-04-11T20:54:15.443" v="8" actId="20577"/>
+      <pc:chgData name="Mariah Birgen" userId="b10ecf27-fcd0-4f69-888c-a706ddbd43c5" providerId="ADAL" clId="{1F14A5C9-F64D-4924-9B4B-8827A8E48F45}" dt="2023-05-21T18:12:26.548" v="14" actId="20577"/>
       <pc:docMkLst>
         <pc:docMk/>
       </pc:docMkLst>
       <pc:sldChg chg="delSp modSp mod">
-        <pc:chgData name="Mariah Birgen" userId="b10ecf27-fcd0-4f69-888c-a706ddbd43c5" providerId="ADAL" clId="{1F14A5C9-F64D-4924-9B4B-8827A8E48F45}" dt="2023-04-11T20:54:15.443" v="8" actId="20577"/>
+        <pc:chgData name="Mariah Birgen" userId="b10ecf27-fcd0-4f69-888c-a706ddbd43c5" providerId="ADAL" clId="{1F14A5C9-F64D-4924-9B4B-8827A8E48F45}" dt="2023-05-21T18:12:26.548" v="14" actId="20577"/>
         <pc:sldMkLst>
           <pc:docMk/>
           <pc:sldMk cId="1749219725" sldId="268"/>
@@ -142,7 +142,7 @@
           </ac:spMkLst>
         </pc:spChg>
         <pc:spChg chg="mod">
-          <ac:chgData name="Mariah Birgen" userId="b10ecf27-fcd0-4f69-888c-a706ddbd43c5" providerId="ADAL" clId="{1F14A5C9-F64D-4924-9B4B-8827A8E48F45}" dt="2023-04-11T20:54:15.443" v="8" actId="20577"/>
+          <ac:chgData name="Mariah Birgen" userId="b10ecf27-fcd0-4f69-888c-a706ddbd43c5" providerId="ADAL" clId="{1F14A5C9-F64D-4924-9B4B-8827A8E48F45}" dt="2023-05-21T18:12:26.548" v="14" actId="20577"/>
           <ac:spMkLst>
             <pc:docMk/>
             <pc:sldMk cId="1749219725" sldId="268"/>
@@ -171,6 +171,30 @@
             <pc:docMk/>
             <pc:sldMk cId="1749219725" sldId="268"/>
             <ac:spMk id="4" creationId="{6407BD81-55AF-887F-2ABC-A5B92B30F59C}"/>
+          </ac:spMkLst>
+        </pc:spChg>
+      </pc:sldChg>
+    </pc:docChg>
+  </pc:docChgLst>
+  <pc:docChgLst>
+    <pc:chgData name="Mariah Birgen" userId="b10ecf27-fcd0-4f69-888c-a706ddbd43c5" providerId="ADAL" clId="{553A39A2-D645-460F-A5D6-4FCBC5538FCC}"/>
+    <pc:docChg chg="modSld">
+      <pc:chgData name="Mariah Birgen" userId="b10ecf27-fcd0-4f69-888c-a706ddbd43c5" providerId="ADAL" clId="{553A39A2-D645-460F-A5D6-4FCBC5538FCC}" dt="2023-06-19T16:54:23.902" v="4" actId="20577"/>
+      <pc:docMkLst>
+        <pc:docMk/>
+      </pc:docMkLst>
+      <pc:sldChg chg="modSp mod">
+        <pc:chgData name="Mariah Birgen" userId="b10ecf27-fcd0-4f69-888c-a706ddbd43c5" providerId="ADAL" clId="{553A39A2-D645-460F-A5D6-4FCBC5538FCC}" dt="2023-06-19T16:54:23.902" v="4" actId="20577"/>
+        <pc:sldMkLst>
+          <pc:docMk/>
+          <pc:sldMk cId="1749219725" sldId="268"/>
+        </pc:sldMkLst>
+        <pc:spChg chg="mod">
+          <ac:chgData name="Mariah Birgen" userId="b10ecf27-fcd0-4f69-888c-a706ddbd43c5" providerId="ADAL" clId="{553A39A2-D645-460F-A5D6-4FCBC5538FCC}" dt="2023-06-19T16:54:23.902" v="4" actId="20577"/>
+          <ac:spMkLst>
+            <pc:docMk/>
+            <pc:sldMk cId="1749219725" sldId="268"/>
+            <ac:spMk id="22" creationId="{6436C1BA-6AC9-D645-BF31-F5E682FD2F19}"/>
           </ac:spMkLst>
         </pc:spChg>
       </pc:sldChg>
@@ -28348,7 +28372,7 @@
             <a:fld id="{D541487B-8511-D440-8421-7E31D83D5558}" type="datetimeFigureOut">
               <a:rPr lang="en-US" smtClean="0"/>
               <a:pPr/>
-              <a:t>4/11/2023</a:t>
+              <a:t>6/19/2023</a:t>
             </a:fld>
             <a:endParaRPr lang="en-US" dirty="0"/>
           </a:p>
@@ -29049,7 +29073,7 @@
             <a:fld id="{D541487B-8511-D440-8421-7E31D83D5558}" type="datetimeFigureOut">
               <a:rPr lang="en-US" smtClean="0"/>
               <a:pPr/>
-              <a:t>4/11/2023</a:t>
+              <a:t>6/19/2023</a:t>
             </a:fld>
             <a:endParaRPr lang="en-US" dirty="0"/>
           </a:p>
@@ -29624,7 +29648,7 @@
           <a:p>
             <a:fld id="{D541487B-8511-D440-8421-7E31D83D5558}" type="datetimeFigureOut">
               <a:rPr lang="en-US" smtClean="0"/>
-              <a:t>4/11/2023</a:t>
+              <a:t>6/19/2023</a:t>
             </a:fld>
             <a:endParaRPr lang="en-US" dirty="0"/>
           </a:p>
@@ -31700,7 +31724,7 @@
           <a:p>
             <a:fld id="{D541487B-8511-D440-8421-7E31D83D5558}" type="datetimeFigureOut">
               <a:rPr lang="en-US" smtClean="0"/>
-              <a:t>4/11/2023</a:t>
+              <a:t>6/19/2023</a:t>
             </a:fld>
             <a:endParaRPr lang="en-US" dirty="0"/>
           </a:p>
@@ -32248,7 +32272,7 @@
             <a:fld id="{435CA60F-FFC1-0F45-8FC4-48465EBE2778}" type="datetimeFigureOut">
               <a:rPr lang="en-US" smtClean="0"/>
               <a:pPr/>
-              <a:t>4/11/2023</a:t>
+              <a:t>6/19/2023</a:t>
             </a:fld>
             <a:endParaRPr lang="en-US" dirty="0"/>
           </a:p>
@@ -32811,7 +32835,7 @@
             <a:fld id="{313121A1-4E39-974B-A232-C4E939022B06}" type="datetimeFigureOut">
               <a:rPr lang="en-US" smtClean="0"/>
               <a:pPr/>
-              <a:t>4/11/2023</a:t>
+              <a:t>6/19/2023</a:t>
             </a:fld>
             <a:endParaRPr lang="en-US" dirty="0"/>
           </a:p>
@@ -33374,7 +33398,7 @@
             <a:fld id="{80038350-B08A-D84E-A34E-DF31257ED6A6}" type="datetimeFigureOut">
               <a:rPr lang="en-US" smtClean="0"/>
               <a:pPr/>
-              <a:t>4/11/2023</a:t>
+              <a:t>6/19/2023</a:t>
             </a:fld>
             <a:endParaRPr lang="en-US" dirty="0"/>
           </a:p>
@@ -34036,7 +34060,7 @@
           <a:p>
             <a:r>
               <a:rPr lang="en-US"/>
-              <a:t>April 17</a:t>
+              <a:t>June  26</a:t>
             </a:r>
             <a:endParaRPr lang="en-US" dirty="0"/>
           </a:p>

--- a/MathsJam.pptx
+++ b/MathsJam.pptx
@@ -171,6 +171,54 @@
             <pc:docMk/>
             <pc:sldMk cId="1749219725" sldId="268"/>
             <ac:spMk id="4" creationId="{6407BD81-55AF-887F-2ABC-A5B92B30F59C}"/>
+          </ac:spMkLst>
+        </pc:spChg>
+      </pc:sldChg>
+    </pc:docChg>
+  </pc:docChgLst>
+  <pc:docChgLst>
+    <pc:chgData name="Mariah Birgen" userId="b10ecf27-fcd0-4f69-888c-a706ddbd43c5" providerId="ADAL" clId="{071B7BDA-2325-4648-AC71-0CFA04F1C332}"/>
+    <pc:docChg chg="modSld">
+      <pc:chgData name="Mariah Birgen" userId="b10ecf27-fcd0-4f69-888c-a706ddbd43c5" providerId="ADAL" clId="{071B7BDA-2325-4648-AC71-0CFA04F1C332}" dt="2023-09-14T12:45:28.137" v="11" actId="20577"/>
+      <pc:docMkLst>
+        <pc:docMk/>
+      </pc:docMkLst>
+      <pc:sldChg chg="modSp mod">
+        <pc:chgData name="Mariah Birgen" userId="b10ecf27-fcd0-4f69-888c-a706ddbd43c5" providerId="ADAL" clId="{071B7BDA-2325-4648-AC71-0CFA04F1C332}" dt="2023-09-14T12:45:28.137" v="11" actId="20577"/>
+        <pc:sldMkLst>
+          <pc:docMk/>
+          <pc:sldMk cId="1749219725" sldId="268"/>
+        </pc:sldMkLst>
+        <pc:spChg chg="mod">
+          <ac:chgData name="Mariah Birgen" userId="b10ecf27-fcd0-4f69-888c-a706ddbd43c5" providerId="ADAL" clId="{071B7BDA-2325-4648-AC71-0CFA04F1C332}" dt="2023-09-14T12:45:28.137" v="11" actId="20577"/>
+          <ac:spMkLst>
+            <pc:docMk/>
+            <pc:sldMk cId="1749219725" sldId="268"/>
+            <ac:spMk id="22" creationId="{6436C1BA-6AC9-D645-BF31-F5E682FD2F19}"/>
+          </ac:spMkLst>
+        </pc:spChg>
+      </pc:sldChg>
+    </pc:docChg>
+  </pc:docChgLst>
+  <pc:docChgLst>
+    <pc:chgData name="Mariah Birgen" userId="b10ecf27-fcd0-4f69-888c-a706ddbd43c5" providerId="ADAL" clId="{96555AC3-DE5D-4EFB-A376-434487E394BF}"/>
+    <pc:docChg chg="modSld">
+      <pc:chgData name="Mariah Birgen" userId="b10ecf27-fcd0-4f69-888c-a706ddbd43c5" providerId="ADAL" clId="{96555AC3-DE5D-4EFB-A376-434487E394BF}" dt="2023-08-17T20:34:17.018" v="8" actId="20577"/>
+      <pc:docMkLst>
+        <pc:docMk/>
+      </pc:docMkLst>
+      <pc:sldChg chg="modSp mod">
+        <pc:chgData name="Mariah Birgen" userId="b10ecf27-fcd0-4f69-888c-a706ddbd43c5" providerId="ADAL" clId="{96555AC3-DE5D-4EFB-A376-434487E394BF}" dt="2023-08-17T20:34:17.018" v="8" actId="20577"/>
+        <pc:sldMkLst>
+          <pc:docMk/>
+          <pc:sldMk cId="1749219725" sldId="268"/>
+        </pc:sldMkLst>
+        <pc:spChg chg="mod">
+          <ac:chgData name="Mariah Birgen" userId="b10ecf27-fcd0-4f69-888c-a706ddbd43c5" providerId="ADAL" clId="{96555AC3-DE5D-4EFB-A376-434487E394BF}" dt="2023-08-17T20:34:17.018" v="8" actId="20577"/>
+          <ac:spMkLst>
+            <pc:docMk/>
+            <pc:sldMk cId="1749219725" sldId="268"/>
+            <ac:spMk id="22" creationId="{6436C1BA-6AC9-D645-BF31-F5E682FD2F19}"/>
           </ac:spMkLst>
         </pc:spChg>
       </pc:sldChg>
@@ -28372,7 +28420,7 @@
             <a:fld id="{D541487B-8511-D440-8421-7E31D83D5558}" type="datetimeFigureOut">
               <a:rPr lang="en-US" smtClean="0"/>
               <a:pPr/>
-              <a:t>6/19/2023</a:t>
+              <a:t>9/14/2023</a:t>
             </a:fld>
             <a:endParaRPr lang="en-US" dirty="0"/>
           </a:p>
@@ -29073,7 +29121,7 @@
             <a:fld id="{D541487B-8511-D440-8421-7E31D83D5558}" type="datetimeFigureOut">
               <a:rPr lang="en-US" smtClean="0"/>
               <a:pPr/>
-              <a:t>6/19/2023</a:t>
+              <a:t>9/14/2023</a:t>
             </a:fld>
             <a:endParaRPr lang="en-US" dirty="0"/>
           </a:p>
@@ -29648,7 +29696,7 @@
           <a:p>
             <a:fld id="{D541487B-8511-D440-8421-7E31D83D5558}" type="datetimeFigureOut">
               <a:rPr lang="en-US" smtClean="0"/>
-              <a:t>6/19/2023</a:t>
+              <a:t>9/14/2023</a:t>
             </a:fld>
             <a:endParaRPr lang="en-US" dirty="0"/>
           </a:p>
@@ -31724,7 +31772,7 @@
           <a:p>
             <a:fld id="{D541487B-8511-D440-8421-7E31D83D5558}" type="datetimeFigureOut">
               <a:rPr lang="en-US" smtClean="0"/>
-              <a:t>6/19/2023</a:t>
+              <a:t>9/14/2023</a:t>
             </a:fld>
             <a:endParaRPr lang="en-US" dirty="0"/>
           </a:p>
@@ -32272,7 +32320,7 @@
             <a:fld id="{435CA60F-FFC1-0F45-8FC4-48465EBE2778}" type="datetimeFigureOut">
               <a:rPr lang="en-US" smtClean="0"/>
               <a:pPr/>
-              <a:t>6/19/2023</a:t>
+              <a:t>9/14/2023</a:t>
             </a:fld>
             <a:endParaRPr lang="en-US" dirty="0"/>
           </a:p>
@@ -32835,7 +32883,7 @@
             <a:fld id="{313121A1-4E39-974B-A232-C4E939022B06}" type="datetimeFigureOut">
               <a:rPr lang="en-US" smtClean="0"/>
               <a:pPr/>
-              <a:t>6/19/2023</a:t>
+              <a:t>9/14/2023</a:t>
             </a:fld>
             <a:endParaRPr lang="en-US" dirty="0"/>
           </a:p>
@@ -33398,7 +33446,7 @@
             <a:fld id="{80038350-B08A-D84E-A34E-DF31257ED6A6}" type="datetimeFigureOut">
               <a:rPr lang="en-US" smtClean="0"/>
               <a:pPr/>
-              <a:t>6/19/2023</a:t>
+              <a:t>9/14/2023</a:t>
             </a:fld>
             <a:endParaRPr lang="en-US" dirty="0"/>
           </a:p>
@@ -34060,7 +34108,7 @@
           <a:p>
             <a:r>
               <a:rPr lang="en-US"/>
-              <a:t>June  26</a:t>
+              <a:t>September 18</a:t>
             </a:r>
             <a:endParaRPr lang="en-US" dirty="0"/>
           </a:p>

--- a/MathsJam.pptx
+++ b/MathsJam.pptx
@@ -143,6 +143,30 @@
         </pc:spChg>
         <pc:spChg chg="mod">
           <ac:chgData name="Mariah Birgen" userId="b10ecf27-fcd0-4f69-888c-a706ddbd43c5" providerId="ADAL" clId="{1F14A5C9-F64D-4924-9B4B-8827A8E48F45}" dt="2023-05-21T18:12:26.548" v="14" actId="20577"/>
+          <ac:spMkLst>
+            <pc:docMk/>
+            <pc:sldMk cId="1749219725" sldId="268"/>
+            <ac:spMk id="22" creationId="{6436C1BA-6AC9-D645-BF31-F5E682FD2F19}"/>
+          </ac:spMkLst>
+        </pc:spChg>
+      </pc:sldChg>
+    </pc:docChg>
+  </pc:docChgLst>
+  <pc:docChgLst>
+    <pc:chgData name="Mariah Birgen" userId="b10ecf27-fcd0-4f69-888c-a706ddbd43c5" providerId="ADAL" clId="{85C8202E-B9B5-4531-BF9B-A71D80EF7553}"/>
+    <pc:docChg chg="modSld">
+      <pc:chgData name="Mariah Birgen" userId="b10ecf27-fcd0-4f69-888c-a706ddbd43c5" providerId="ADAL" clId="{85C8202E-B9B5-4531-BF9B-A71D80EF7553}" dt="2023-10-12T14:56:28.004" v="9" actId="20577"/>
+      <pc:docMkLst>
+        <pc:docMk/>
+      </pc:docMkLst>
+      <pc:sldChg chg="modSp mod">
+        <pc:chgData name="Mariah Birgen" userId="b10ecf27-fcd0-4f69-888c-a706ddbd43c5" providerId="ADAL" clId="{85C8202E-B9B5-4531-BF9B-A71D80EF7553}" dt="2023-10-12T14:56:28.004" v="9" actId="20577"/>
+        <pc:sldMkLst>
+          <pc:docMk/>
+          <pc:sldMk cId="1749219725" sldId="268"/>
+        </pc:sldMkLst>
+        <pc:spChg chg="mod">
+          <ac:chgData name="Mariah Birgen" userId="b10ecf27-fcd0-4f69-888c-a706ddbd43c5" providerId="ADAL" clId="{85C8202E-B9B5-4531-BF9B-A71D80EF7553}" dt="2023-10-12T14:56:28.004" v="9" actId="20577"/>
           <ac:spMkLst>
             <pc:docMk/>
             <pc:sldMk cId="1749219725" sldId="268"/>
@@ -28420,7 +28444,7 @@
             <a:fld id="{D541487B-8511-D440-8421-7E31D83D5558}" type="datetimeFigureOut">
               <a:rPr lang="en-US" smtClean="0"/>
               <a:pPr/>
-              <a:t>9/14/2023</a:t>
+              <a:t>10/12/2023</a:t>
             </a:fld>
             <a:endParaRPr lang="en-US" dirty="0"/>
           </a:p>
@@ -29121,7 +29145,7 @@
             <a:fld id="{D541487B-8511-D440-8421-7E31D83D5558}" type="datetimeFigureOut">
               <a:rPr lang="en-US" smtClean="0"/>
               <a:pPr/>
-              <a:t>9/14/2023</a:t>
+              <a:t>10/12/2023</a:t>
             </a:fld>
             <a:endParaRPr lang="en-US" dirty="0"/>
           </a:p>
@@ -29696,7 +29720,7 @@
           <a:p>
             <a:fld id="{D541487B-8511-D440-8421-7E31D83D5558}" type="datetimeFigureOut">
               <a:rPr lang="en-US" smtClean="0"/>
-              <a:t>9/14/2023</a:t>
+              <a:t>10/12/2023</a:t>
             </a:fld>
             <a:endParaRPr lang="en-US" dirty="0"/>
           </a:p>
@@ -31772,7 +31796,7 @@
           <a:p>
             <a:fld id="{D541487B-8511-D440-8421-7E31D83D5558}" type="datetimeFigureOut">
               <a:rPr lang="en-US" smtClean="0"/>
-              <a:t>9/14/2023</a:t>
+              <a:t>10/12/2023</a:t>
             </a:fld>
             <a:endParaRPr lang="en-US" dirty="0"/>
           </a:p>
@@ -32320,7 +32344,7 @@
             <a:fld id="{435CA60F-FFC1-0F45-8FC4-48465EBE2778}" type="datetimeFigureOut">
               <a:rPr lang="en-US" smtClean="0"/>
               <a:pPr/>
-              <a:t>9/14/2023</a:t>
+              <a:t>10/12/2023</a:t>
             </a:fld>
             <a:endParaRPr lang="en-US" dirty="0"/>
           </a:p>
@@ -32883,7 +32907,7 @@
             <a:fld id="{313121A1-4E39-974B-A232-C4E939022B06}" type="datetimeFigureOut">
               <a:rPr lang="en-US" smtClean="0"/>
               <a:pPr/>
-              <a:t>9/14/2023</a:t>
+              <a:t>10/12/2023</a:t>
             </a:fld>
             <a:endParaRPr lang="en-US" dirty="0"/>
           </a:p>
@@ -33446,7 +33470,7 @@
             <a:fld id="{80038350-B08A-D84E-A34E-DF31257ED6A6}" type="datetimeFigureOut">
               <a:rPr lang="en-US" smtClean="0"/>
               <a:pPr/>
-              <a:t>9/14/2023</a:t>
+              <a:t>10/12/2023</a:t>
             </a:fld>
             <a:endParaRPr lang="en-US" dirty="0"/>
           </a:p>
@@ -34107,10 +34131,9 @@
           </a:p>
           <a:p>
             <a:r>
-              <a:rPr lang="en-US"/>
-              <a:t>September 18</a:t>
+              <a:rPr lang="en-US" dirty="0"/>
+              <a:t>October 23</a:t>
             </a:r>
-            <a:endParaRPr lang="en-US" dirty="0"/>
           </a:p>
         </p:txBody>
       </p:sp>
@@ -35491,15 +35514,6 @@
 </file>
 
 <file path=customXml/item1.xml><?xml version="1.0" encoding="utf-8"?>
-<?mso-contentType ?>
-<FormTemplates xmlns="http://schemas.microsoft.com/sharepoint/v3/contenttype/forms">
-  <Display>DocumentLibraryForm</Display>
-  <Edit>DocumentLibraryForm</Edit>
-  <New>DocumentLibraryForm</New>
-</FormTemplates>
-</file>
-
-<file path=customXml/item2.xml><?xml version="1.0" encoding="utf-8"?>
 <p:properties xmlns:p="http://schemas.microsoft.com/office/2006/metadata/properties" xmlns:xsi="http://www.w3.org/2001/XMLSchema-instance" xmlns:pc="http://schemas.microsoft.com/office/infopath/2007/PartnerControls">
   <documentManagement>
     <_ip_UnifiedCompliancePolicyUIAction xmlns="http://schemas.microsoft.com/sharepoint/v3" xsi:nil="true"/>
@@ -35517,6 +35531,15 @@
     <MediaServiceKeyPoints xmlns="71af3243-3dd4-4a8d-8c0d-dd76da1f02a5" xsi:nil="true"/>
   </documentManagement>
 </p:properties>
+</file>
+
+<file path=customXml/item2.xml><?xml version="1.0" encoding="utf-8"?>
+<?mso-contentType ?>
+<FormTemplates xmlns="http://schemas.microsoft.com/sharepoint/v3/contenttype/forms">
+  <Display>DocumentLibraryForm</Display>
+  <Edit>DocumentLibraryForm</Edit>
+  <New>DocumentLibraryForm</New>
+</FormTemplates>
 </file>
 
 <file path=customXml/item3.xml><?xml version="1.0" encoding="utf-8"?>
@@ -35808,14 +35831,6 @@
 </file>
 
 <file path=customXml/itemProps1.xml><?xml version="1.0" encoding="utf-8"?>
-<ds:datastoreItem xmlns:ds="http://schemas.openxmlformats.org/officeDocument/2006/customXml" ds:itemID="{4EE84556-F5AA-4F8D-9601-4206B119FC55}">
-  <ds:schemaRefs>
-    <ds:schemaRef ds:uri="http://schemas.microsoft.com/sharepoint/v3/contenttype/forms"/>
-  </ds:schemaRefs>
-</ds:datastoreItem>
-</file>
-
-<file path=customXml/itemProps2.xml><?xml version="1.0" encoding="utf-8"?>
 <ds:datastoreItem xmlns:ds="http://schemas.openxmlformats.org/officeDocument/2006/customXml" ds:itemID="{9E9BB509-C5F1-4914-8021-036A31979402}">
   <ds:schemaRefs>
     <ds:schemaRef ds:uri="http://purl.org/dc/elements/1.1/"/>
@@ -35830,6 +35845,14 @@
     <ds:schemaRef ds:uri="http://schemas.openxmlformats.org/package/2006/metadata/core-properties"/>
     <ds:schemaRef ds:uri="71af3243-3dd4-4a8d-8c0d-dd76da1f02a5"/>
     <ds:schemaRef ds:uri="http://www.w3.org/XML/1998/namespace"/>
+  </ds:schemaRefs>
+</ds:datastoreItem>
+</file>
+
+<file path=customXml/itemProps2.xml><?xml version="1.0" encoding="utf-8"?>
+<ds:datastoreItem xmlns:ds="http://schemas.openxmlformats.org/officeDocument/2006/customXml" ds:itemID="{4EE84556-F5AA-4F8D-9601-4206B119FC55}">
+  <ds:schemaRefs>
+    <ds:schemaRef ds:uri="http://schemas.microsoft.com/sharepoint/v3/contenttype/forms"/>
   </ds:schemaRefs>
 </ds:datastoreItem>
 </file>

--- a/MathsJam.pptx
+++ b/MathsJam.pptx
@@ -121,6 +121,102 @@
 <file path=ppt/changesInfos/changesInfo1.xml><?xml version="1.0" encoding="utf-8"?>
 <pc:chgInfo xmlns:a="http://schemas.openxmlformats.org/drawingml/2006/main" xmlns:r="http://schemas.openxmlformats.org/officeDocument/2006/relationships" xmlns:ac="http://schemas.microsoft.com/office/drawing/2013/main/command" xmlns:pc="http://schemas.microsoft.com/office/powerpoint/2013/main/command">
   <pc:docChgLst>
+    <pc:chgData name="Mariah Birgen" userId="b10ecf27-fcd0-4f69-888c-a706ddbd43c5" providerId="ADAL" clId="{D7AE51E1-A1BD-4FF1-A88E-5788D1ED818C}"/>
+    <pc:docChg chg="modSld">
+      <pc:chgData name="Mariah Birgen" userId="b10ecf27-fcd0-4f69-888c-a706ddbd43c5" providerId="ADAL" clId="{D7AE51E1-A1BD-4FF1-A88E-5788D1ED818C}" dt="2023-11-14T22:25:42.633" v="9" actId="20577"/>
+      <pc:docMkLst>
+        <pc:docMk/>
+      </pc:docMkLst>
+      <pc:sldChg chg="modSp mod">
+        <pc:chgData name="Mariah Birgen" userId="b10ecf27-fcd0-4f69-888c-a706ddbd43c5" providerId="ADAL" clId="{D7AE51E1-A1BD-4FF1-A88E-5788D1ED818C}" dt="2023-11-14T22:25:42.633" v="9" actId="20577"/>
+        <pc:sldMkLst>
+          <pc:docMk/>
+          <pc:sldMk cId="1749219725" sldId="268"/>
+        </pc:sldMkLst>
+        <pc:spChg chg="mod">
+          <ac:chgData name="Mariah Birgen" userId="b10ecf27-fcd0-4f69-888c-a706ddbd43c5" providerId="ADAL" clId="{D7AE51E1-A1BD-4FF1-A88E-5788D1ED818C}" dt="2023-11-14T22:25:42.633" v="9" actId="20577"/>
+          <ac:spMkLst>
+            <pc:docMk/>
+            <pc:sldMk cId="1749219725" sldId="268"/>
+            <ac:spMk id="22" creationId="{6436C1BA-6AC9-D645-BF31-F5E682FD2F19}"/>
+          </ac:spMkLst>
+        </pc:spChg>
+      </pc:sldChg>
+    </pc:docChg>
+  </pc:docChgLst>
+  <pc:docChgLst>
+    <pc:chgData name="Mariah Birgen" userId="b10ecf27-fcd0-4f69-888c-a706ddbd43c5" providerId="ADAL" clId="{E9D2D8D7-A9B2-4585-82F1-B5E35DFACF77}"/>
+    <pc:docChg chg="custSel modSld">
+      <pc:chgData name="Mariah Birgen" userId="b10ecf27-fcd0-4f69-888c-a706ddbd43c5" providerId="ADAL" clId="{E9D2D8D7-A9B2-4585-82F1-B5E35DFACF77}" dt="2023-03-15T15:28:32.720" v="24" actId="1076"/>
+      <pc:docMkLst>
+        <pc:docMk/>
+      </pc:docMkLst>
+      <pc:sldChg chg="addSp modSp mod">
+        <pc:chgData name="Mariah Birgen" userId="b10ecf27-fcd0-4f69-888c-a706ddbd43c5" providerId="ADAL" clId="{E9D2D8D7-A9B2-4585-82F1-B5E35DFACF77}" dt="2023-03-15T15:28:32.720" v="24" actId="1076"/>
+        <pc:sldMkLst>
+          <pc:docMk/>
+          <pc:sldMk cId="1749219725" sldId="268"/>
+        </pc:sldMkLst>
+        <pc:spChg chg="add mod">
+          <ac:chgData name="Mariah Birgen" userId="b10ecf27-fcd0-4f69-888c-a706ddbd43c5" providerId="ADAL" clId="{E9D2D8D7-A9B2-4585-82F1-B5E35DFACF77}" dt="2023-03-15T15:28:32.720" v="24" actId="1076"/>
+          <ac:spMkLst>
+            <pc:docMk/>
+            <pc:sldMk cId="1749219725" sldId="268"/>
+            <ac:spMk id="4" creationId="{6407BD81-55AF-887F-2ABC-A5B92B30F59C}"/>
+          </ac:spMkLst>
+        </pc:spChg>
+      </pc:sldChg>
+    </pc:docChg>
+  </pc:docChgLst>
+  <pc:docChgLst>
+    <pc:chgData name="Mariah Birgen" userId="b10ecf27-fcd0-4f69-888c-a706ddbd43c5" providerId="ADAL" clId="{553A39A2-D645-460F-A5D6-4FCBC5538FCC}"/>
+    <pc:docChg chg="modSld">
+      <pc:chgData name="Mariah Birgen" userId="b10ecf27-fcd0-4f69-888c-a706ddbd43c5" providerId="ADAL" clId="{553A39A2-D645-460F-A5D6-4FCBC5538FCC}" dt="2023-06-19T16:54:23.902" v="4" actId="20577"/>
+      <pc:docMkLst>
+        <pc:docMk/>
+      </pc:docMkLst>
+      <pc:sldChg chg="modSp mod">
+        <pc:chgData name="Mariah Birgen" userId="b10ecf27-fcd0-4f69-888c-a706ddbd43c5" providerId="ADAL" clId="{553A39A2-D645-460F-A5D6-4FCBC5538FCC}" dt="2023-06-19T16:54:23.902" v="4" actId="20577"/>
+        <pc:sldMkLst>
+          <pc:docMk/>
+          <pc:sldMk cId="1749219725" sldId="268"/>
+        </pc:sldMkLst>
+        <pc:spChg chg="mod">
+          <ac:chgData name="Mariah Birgen" userId="b10ecf27-fcd0-4f69-888c-a706ddbd43c5" providerId="ADAL" clId="{553A39A2-D645-460F-A5D6-4FCBC5538FCC}" dt="2023-06-19T16:54:23.902" v="4" actId="20577"/>
+          <ac:spMkLst>
+            <pc:docMk/>
+            <pc:sldMk cId="1749219725" sldId="268"/>
+            <ac:spMk id="22" creationId="{6436C1BA-6AC9-D645-BF31-F5E682FD2F19}"/>
+          </ac:spMkLst>
+        </pc:spChg>
+      </pc:sldChg>
+    </pc:docChg>
+  </pc:docChgLst>
+  <pc:docChgLst>
+    <pc:chgData name="Mariah Birgen" userId="b10ecf27-fcd0-4f69-888c-a706ddbd43c5" providerId="ADAL" clId="{96555AC3-DE5D-4EFB-A376-434487E394BF}"/>
+    <pc:docChg chg="modSld">
+      <pc:chgData name="Mariah Birgen" userId="b10ecf27-fcd0-4f69-888c-a706ddbd43c5" providerId="ADAL" clId="{96555AC3-DE5D-4EFB-A376-434487E394BF}" dt="2023-08-17T20:34:17.018" v="8" actId="20577"/>
+      <pc:docMkLst>
+        <pc:docMk/>
+      </pc:docMkLst>
+      <pc:sldChg chg="modSp mod">
+        <pc:chgData name="Mariah Birgen" userId="b10ecf27-fcd0-4f69-888c-a706ddbd43c5" providerId="ADAL" clId="{96555AC3-DE5D-4EFB-A376-434487E394BF}" dt="2023-08-17T20:34:17.018" v="8" actId="20577"/>
+        <pc:sldMkLst>
+          <pc:docMk/>
+          <pc:sldMk cId="1749219725" sldId="268"/>
+        </pc:sldMkLst>
+        <pc:spChg chg="mod">
+          <ac:chgData name="Mariah Birgen" userId="b10ecf27-fcd0-4f69-888c-a706ddbd43c5" providerId="ADAL" clId="{96555AC3-DE5D-4EFB-A376-434487E394BF}" dt="2023-08-17T20:34:17.018" v="8" actId="20577"/>
+          <ac:spMkLst>
+            <pc:docMk/>
+            <pc:sldMk cId="1749219725" sldId="268"/>
+            <ac:spMk id="22" creationId="{6436C1BA-6AC9-D645-BF31-F5E682FD2F19}"/>
+          </ac:spMkLst>
+        </pc:spChg>
+      </pc:sldChg>
+    </pc:docChg>
+  </pc:docChgLst>
+  <pc:docChgLst>
     <pc:chgData name="Mariah Birgen" userId="b10ecf27-fcd0-4f69-888c-a706ddbd43c5" providerId="ADAL" clId="{1F14A5C9-F64D-4924-9B4B-8827A8E48F45}"/>
     <pc:docChg chg="custSel modSld">
       <pc:chgData name="Mariah Birgen" userId="b10ecf27-fcd0-4f69-888c-a706ddbd43c5" providerId="ADAL" clId="{1F14A5C9-F64D-4924-9B4B-8827A8E48F45}" dt="2023-05-21T18:12:26.548" v="14" actId="20577"/>
@@ -177,30 +273,6 @@
     </pc:docChg>
   </pc:docChgLst>
   <pc:docChgLst>
-    <pc:chgData name="Mariah Birgen" userId="b10ecf27-fcd0-4f69-888c-a706ddbd43c5" providerId="ADAL" clId="{E9D2D8D7-A9B2-4585-82F1-B5E35DFACF77}"/>
-    <pc:docChg chg="custSel modSld">
-      <pc:chgData name="Mariah Birgen" userId="b10ecf27-fcd0-4f69-888c-a706ddbd43c5" providerId="ADAL" clId="{E9D2D8D7-A9B2-4585-82F1-B5E35DFACF77}" dt="2023-03-15T15:28:32.720" v="24" actId="1076"/>
-      <pc:docMkLst>
-        <pc:docMk/>
-      </pc:docMkLst>
-      <pc:sldChg chg="addSp modSp mod">
-        <pc:chgData name="Mariah Birgen" userId="b10ecf27-fcd0-4f69-888c-a706ddbd43c5" providerId="ADAL" clId="{E9D2D8D7-A9B2-4585-82F1-B5E35DFACF77}" dt="2023-03-15T15:28:32.720" v="24" actId="1076"/>
-        <pc:sldMkLst>
-          <pc:docMk/>
-          <pc:sldMk cId="1749219725" sldId="268"/>
-        </pc:sldMkLst>
-        <pc:spChg chg="add mod">
-          <ac:chgData name="Mariah Birgen" userId="b10ecf27-fcd0-4f69-888c-a706ddbd43c5" providerId="ADAL" clId="{E9D2D8D7-A9B2-4585-82F1-B5E35DFACF77}" dt="2023-03-15T15:28:32.720" v="24" actId="1076"/>
-          <ac:spMkLst>
-            <pc:docMk/>
-            <pc:sldMk cId="1749219725" sldId="268"/>
-            <ac:spMk id="4" creationId="{6407BD81-55AF-887F-2ABC-A5B92B30F59C}"/>
-          </ac:spMkLst>
-        </pc:spChg>
-      </pc:sldChg>
-    </pc:docChg>
-  </pc:docChgLst>
-  <pc:docChgLst>
     <pc:chgData name="Mariah Birgen" userId="b10ecf27-fcd0-4f69-888c-a706ddbd43c5" providerId="ADAL" clId="{071B7BDA-2325-4648-AC71-0CFA04F1C332}"/>
     <pc:docChg chg="modSld">
       <pc:chgData name="Mariah Birgen" userId="b10ecf27-fcd0-4f69-888c-a706ddbd43c5" providerId="ADAL" clId="{071B7BDA-2325-4648-AC71-0CFA04F1C332}" dt="2023-09-14T12:45:28.137" v="11" actId="20577"/>
@@ -225,44 +297,20 @@
     </pc:docChg>
   </pc:docChgLst>
   <pc:docChgLst>
-    <pc:chgData name="Mariah Birgen" userId="b10ecf27-fcd0-4f69-888c-a706ddbd43c5" providerId="ADAL" clId="{96555AC3-DE5D-4EFB-A376-434487E394BF}"/>
+    <pc:chgData name="Mariah Birgen" userId="b10ecf27-fcd0-4f69-888c-a706ddbd43c5" providerId="ADAL" clId="{6C2F3DE5-ECD4-4EED-9A11-23B51B8E8E84}"/>
     <pc:docChg chg="modSld">
-      <pc:chgData name="Mariah Birgen" userId="b10ecf27-fcd0-4f69-888c-a706ddbd43c5" providerId="ADAL" clId="{96555AC3-DE5D-4EFB-A376-434487E394BF}" dt="2023-08-17T20:34:17.018" v="8" actId="20577"/>
+      <pc:chgData name="Mariah Birgen" userId="b10ecf27-fcd0-4f69-888c-a706ddbd43c5" providerId="ADAL" clId="{6C2F3DE5-ECD4-4EED-9A11-23B51B8E8E84}" dt="2023-12-08T17:46:35.015" v="12" actId="20577"/>
       <pc:docMkLst>
         <pc:docMk/>
       </pc:docMkLst>
       <pc:sldChg chg="modSp mod">
-        <pc:chgData name="Mariah Birgen" userId="b10ecf27-fcd0-4f69-888c-a706ddbd43c5" providerId="ADAL" clId="{96555AC3-DE5D-4EFB-A376-434487E394BF}" dt="2023-08-17T20:34:17.018" v="8" actId="20577"/>
+        <pc:chgData name="Mariah Birgen" userId="b10ecf27-fcd0-4f69-888c-a706ddbd43c5" providerId="ADAL" clId="{6C2F3DE5-ECD4-4EED-9A11-23B51B8E8E84}" dt="2023-12-08T17:46:35.015" v="12" actId="20577"/>
         <pc:sldMkLst>
           <pc:docMk/>
           <pc:sldMk cId="1749219725" sldId="268"/>
         </pc:sldMkLst>
         <pc:spChg chg="mod">
-          <ac:chgData name="Mariah Birgen" userId="b10ecf27-fcd0-4f69-888c-a706ddbd43c5" providerId="ADAL" clId="{96555AC3-DE5D-4EFB-A376-434487E394BF}" dt="2023-08-17T20:34:17.018" v="8" actId="20577"/>
-          <ac:spMkLst>
-            <pc:docMk/>
-            <pc:sldMk cId="1749219725" sldId="268"/>
-            <ac:spMk id="22" creationId="{6436C1BA-6AC9-D645-BF31-F5E682FD2F19}"/>
-          </ac:spMkLst>
-        </pc:spChg>
-      </pc:sldChg>
-    </pc:docChg>
-  </pc:docChgLst>
-  <pc:docChgLst>
-    <pc:chgData name="Mariah Birgen" userId="b10ecf27-fcd0-4f69-888c-a706ddbd43c5" providerId="ADAL" clId="{553A39A2-D645-460F-A5D6-4FCBC5538FCC}"/>
-    <pc:docChg chg="modSld">
-      <pc:chgData name="Mariah Birgen" userId="b10ecf27-fcd0-4f69-888c-a706ddbd43c5" providerId="ADAL" clId="{553A39A2-D645-460F-A5D6-4FCBC5538FCC}" dt="2023-06-19T16:54:23.902" v="4" actId="20577"/>
-      <pc:docMkLst>
-        <pc:docMk/>
-      </pc:docMkLst>
-      <pc:sldChg chg="modSp mod">
-        <pc:chgData name="Mariah Birgen" userId="b10ecf27-fcd0-4f69-888c-a706ddbd43c5" providerId="ADAL" clId="{553A39A2-D645-460F-A5D6-4FCBC5538FCC}" dt="2023-06-19T16:54:23.902" v="4" actId="20577"/>
-        <pc:sldMkLst>
-          <pc:docMk/>
-          <pc:sldMk cId="1749219725" sldId="268"/>
-        </pc:sldMkLst>
-        <pc:spChg chg="mod">
-          <ac:chgData name="Mariah Birgen" userId="b10ecf27-fcd0-4f69-888c-a706ddbd43c5" providerId="ADAL" clId="{553A39A2-D645-460F-A5D6-4FCBC5538FCC}" dt="2023-06-19T16:54:23.902" v="4" actId="20577"/>
+          <ac:chgData name="Mariah Birgen" userId="b10ecf27-fcd0-4f69-888c-a706ddbd43c5" providerId="ADAL" clId="{6C2F3DE5-ECD4-4EED-9A11-23B51B8E8E84}" dt="2023-12-08T17:46:35.015" v="12" actId="20577"/>
           <ac:spMkLst>
             <pc:docMk/>
             <pc:sldMk cId="1749219725" sldId="268"/>
@@ -28444,7 +28492,7 @@
             <a:fld id="{D541487B-8511-D440-8421-7E31D83D5558}" type="datetimeFigureOut">
               <a:rPr lang="en-US" smtClean="0"/>
               <a:pPr/>
-              <a:t>10/12/2023</a:t>
+              <a:t>12/8/2023</a:t>
             </a:fld>
             <a:endParaRPr lang="en-US" dirty="0"/>
           </a:p>
@@ -29145,7 +29193,7 @@
             <a:fld id="{D541487B-8511-D440-8421-7E31D83D5558}" type="datetimeFigureOut">
               <a:rPr lang="en-US" smtClean="0"/>
               <a:pPr/>
-              <a:t>10/12/2023</a:t>
+              <a:t>12/8/2023</a:t>
             </a:fld>
             <a:endParaRPr lang="en-US" dirty="0"/>
           </a:p>
@@ -29720,7 +29768,7 @@
           <a:p>
             <a:fld id="{D541487B-8511-D440-8421-7E31D83D5558}" type="datetimeFigureOut">
               <a:rPr lang="en-US" smtClean="0"/>
-              <a:t>10/12/2023</a:t>
+              <a:t>12/8/2023</a:t>
             </a:fld>
             <a:endParaRPr lang="en-US" dirty="0"/>
           </a:p>
@@ -31796,7 +31844,7 @@
           <a:p>
             <a:fld id="{D541487B-8511-D440-8421-7E31D83D5558}" type="datetimeFigureOut">
               <a:rPr lang="en-US" smtClean="0"/>
-              <a:t>10/12/2023</a:t>
+              <a:t>12/8/2023</a:t>
             </a:fld>
             <a:endParaRPr lang="en-US" dirty="0"/>
           </a:p>
@@ -32344,7 +32392,7 @@
             <a:fld id="{435CA60F-FFC1-0F45-8FC4-48465EBE2778}" type="datetimeFigureOut">
               <a:rPr lang="en-US" smtClean="0"/>
               <a:pPr/>
-              <a:t>10/12/2023</a:t>
+              <a:t>12/8/2023</a:t>
             </a:fld>
             <a:endParaRPr lang="en-US" dirty="0"/>
           </a:p>
@@ -32907,7 +32955,7 @@
             <a:fld id="{313121A1-4E39-974B-A232-C4E939022B06}" type="datetimeFigureOut">
               <a:rPr lang="en-US" smtClean="0"/>
               <a:pPr/>
-              <a:t>10/12/2023</a:t>
+              <a:t>12/8/2023</a:t>
             </a:fld>
             <a:endParaRPr lang="en-US" dirty="0"/>
           </a:p>
@@ -33470,7 +33518,7 @@
             <a:fld id="{80038350-B08A-D84E-A34E-DF31257ED6A6}" type="datetimeFigureOut">
               <a:rPr lang="en-US" smtClean="0"/>
               <a:pPr/>
-              <a:t>10/12/2023</a:t>
+              <a:t>12/8/2023</a:t>
             </a:fld>
             <a:endParaRPr lang="en-US" dirty="0"/>
           </a:p>
@@ -34131,9 +34179,10 @@
           </a:p>
           <a:p>
             <a:r>
-              <a:rPr lang="en-US" dirty="0"/>
-              <a:t>October 23</a:t>
+              <a:rPr lang="en-US"/>
+              <a:t>December 11</a:t>
             </a:r>
+            <a:endParaRPr lang="en-US" dirty="0"/>
           </a:p>
         </p:txBody>
       </p:sp>

--- a/MathsJam.pptx
+++ b/MathsJam.pptx
@@ -8,8 +8,8 @@
     <p:sldMasterId id="2147483702" r:id="rId7"/>
   </p:sldMasterIdLst>
   <p:sldIdLst>
-    <p:sldId id="264" r:id="rId8"/>
-    <p:sldId id="268" r:id="rId9"/>
+    <p:sldId id="268" r:id="rId8"/>
+    <p:sldId id="264" r:id="rId9"/>
     <p:sldId id="269" r:id="rId10"/>
     <p:sldId id="266" r:id="rId11"/>
   </p:sldIdLst>
@@ -298,19 +298,26 @@
   </pc:docChgLst>
   <pc:docChgLst>
     <pc:chgData name="Mariah Birgen" userId="b10ecf27-fcd0-4f69-888c-a706ddbd43c5" providerId="ADAL" clId="{6C2F3DE5-ECD4-4EED-9A11-23B51B8E8E84}"/>
-    <pc:docChg chg="modSld">
-      <pc:chgData name="Mariah Birgen" userId="b10ecf27-fcd0-4f69-888c-a706ddbd43c5" providerId="ADAL" clId="{6C2F3DE5-ECD4-4EED-9A11-23B51B8E8E84}" dt="2023-12-08T17:46:35.015" v="12" actId="20577"/>
+    <pc:docChg chg="modSld sldOrd">
+      <pc:chgData name="Mariah Birgen" userId="b10ecf27-fcd0-4f69-888c-a706ddbd43c5" providerId="ADAL" clId="{6C2F3DE5-ECD4-4EED-9A11-23B51B8E8E84}" dt="2024-02-12T22:32:43.656" v="35" actId="20577"/>
       <pc:docMkLst>
         <pc:docMk/>
       </pc:docMkLst>
+      <pc:sldChg chg="ord">
+        <pc:chgData name="Mariah Birgen" userId="b10ecf27-fcd0-4f69-888c-a706ddbd43c5" providerId="ADAL" clId="{6C2F3DE5-ECD4-4EED-9A11-23B51B8E8E84}" dt="2024-02-12T22:32:18.380" v="24"/>
+        <pc:sldMkLst>
+          <pc:docMk/>
+          <pc:sldMk cId="3276218933" sldId="264"/>
+        </pc:sldMkLst>
+      </pc:sldChg>
       <pc:sldChg chg="modSp mod">
-        <pc:chgData name="Mariah Birgen" userId="b10ecf27-fcd0-4f69-888c-a706ddbd43c5" providerId="ADAL" clId="{6C2F3DE5-ECD4-4EED-9A11-23B51B8E8E84}" dt="2023-12-08T17:46:35.015" v="12" actId="20577"/>
+        <pc:chgData name="Mariah Birgen" userId="b10ecf27-fcd0-4f69-888c-a706ddbd43c5" providerId="ADAL" clId="{6C2F3DE5-ECD4-4EED-9A11-23B51B8E8E84}" dt="2024-02-12T22:32:43.656" v="35" actId="20577"/>
         <pc:sldMkLst>
           <pc:docMk/>
           <pc:sldMk cId="1749219725" sldId="268"/>
         </pc:sldMkLst>
         <pc:spChg chg="mod">
-          <ac:chgData name="Mariah Birgen" userId="b10ecf27-fcd0-4f69-888c-a706ddbd43c5" providerId="ADAL" clId="{6C2F3DE5-ECD4-4EED-9A11-23B51B8E8E84}" dt="2023-12-08T17:46:35.015" v="12" actId="20577"/>
+          <ac:chgData name="Mariah Birgen" userId="b10ecf27-fcd0-4f69-888c-a706ddbd43c5" providerId="ADAL" clId="{6C2F3DE5-ECD4-4EED-9A11-23B51B8E8E84}" dt="2024-02-12T22:32:43.656" v="35" actId="20577"/>
           <ac:spMkLst>
             <pc:docMk/>
             <pc:sldMk cId="1749219725" sldId="268"/>
@@ -28492,7 +28499,7 @@
             <a:fld id="{D541487B-8511-D440-8421-7E31D83D5558}" type="datetimeFigureOut">
               <a:rPr lang="en-US" smtClean="0"/>
               <a:pPr/>
-              <a:t>12/8/2023</a:t>
+              <a:t>2/12/2024</a:t>
             </a:fld>
             <a:endParaRPr lang="en-US" dirty="0"/>
           </a:p>
@@ -29193,7 +29200,7 @@
             <a:fld id="{D541487B-8511-D440-8421-7E31D83D5558}" type="datetimeFigureOut">
               <a:rPr lang="en-US" smtClean="0"/>
               <a:pPr/>
-              <a:t>12/8/2023</a:t>
+              <a:t>2/12/2024</a:t>
             </a:fld>
             <a:endParaRPr lang="en-US" dirty="0"/>
           </a:p>
@@ -29768,7 +29775,7 @@
           <a:p>
             <a:fld id="{D541487B-8511-D440-8421-7E31D83D5558}" type="datetimeFigureOut">
               <a:rPr lang="en-US" smtClean="0"/>
-              <a:t>12/8/2023</a:t>
+              <a:t>2/12/2024</a:t>
             </a:fld>
             <a:endParaRPr lang="en-US" dirty="0"/>
           </a:p>
@@ -31844,7 +31851,7 @@
           <a:p>
             <a:fld id="{D541487B-8511-D440-8421-7E31D83D5558}" type="datetimeFigureOut">
               <a:rPr lang="en-US" smtClean="0"/>
-              <a:t>12/8/2023</a:t>
+              <a:t>2/12/2024</a:t>
             </a:fld>
             <a:endParaRPr lang="en-US" dirty="0"/>
           </a:p>
@@ -32392,7 +32399,7 @@
             <a:fld id="{435CA60F-FFC1-0F45-8FC4-48465EBE2778}" type="datetimeFigureOut">
               <a:rPr lang="en-US" smtClean="0"/>
               <a:pPr/>
-              <a:t>12/8/2023</a:t>
+              <a:t>2/12/2024</a:t>
             </a:fld>
             <a:endParaRPr lang="en-US" dirty="0"/>
           </a:p>
@@ -32955,7 +32962,7 @@
             <a:fld id="{313121A1-4E39-974B-A232-C4E939022B06}" type="datetimeFigureOut">
               <a:rPr lang="en-US" smtClean="0"/>
               <a:pPr/>
-              <a:t>12/8/2023</a:t>
+              <a:t>2/12/2024</a:t>
             </a:fld>
             <a:endParaRPr lang="en-US" dirty="0"/>
           </a:p>
@@ -33518,7 +33525,7 @@
             <a:fld id="{80038350-B08A-D84E-A34E-DF31257ED6A6}" type="datetimeFigureOut">
               <a:rPr lang="en-US" smtClean="0"/>
               <a:pPr/>
-              <a:t>12/8/2023</a:t>
+              <a:t>2/12/2024</a:t>
             </a:fld>
             <a:endParaRPr lang="en-US" dirty="0"/>
           </a:p>
@@ -33914,156 +33921,6 @@
 <file path=ppt/slides/slide1.xml><?xml version="1.0" encoding="utf-8"?>
 <p:sld xmlns:a="http://schemas.openxmlformats.org/drawingml/2006/main" xmlns:r="http://schemas.openxmlformats.org/officeDocument/2006/relationships" xmlns:p="http://schemas.openxmlformats.org/presentationml/2006/main">
   <p:cSld>
-    <p:bg>
-      <p:bgPr>
-        <a:solidFill>
-          <a:srgbClr val="FFFFFF"/>
-        </a:solidFill>
-        <a:effectLst/>
-      </p:bgPr>
-    </p:bg>
-    <p:spTree>
-      <p:nvGrpSpPr>
-        <p:cNvPr id="1" name=""/>
-        <p:cNvGrpSpPr/>
-        <p:nvPr/>
-      </p:nvGrpSpPr>
-      <p:grpSpPr>
-        <a:xfrm>
-          <a:off x="0" y="0"/>
-          <a:ext cx="0" cy="0"/>
-          <a:chOff x="0" y="0"/>
-          <a:chExt cx="0" cy="0"/>
-        </a:xfrm>
-      </p:grpSpPr>
-      <p:sp>
-        <p:nvSpPr>
-          <p:cNvPr id="2" name="Title 1">
-            <a:extLst>
-              <a:ext uri="{FF2B5EF4-FFF2-40B4-BE49-F238E27FC236}">
-                <a16:creationId xmlns:a16="http://schemas.microsoft.com/office/drawing/2014/main" id="{134B62BE-D458-714C-9A13-9E6BC8D69B1E}"/>
-              </a:ext>
-            </a:extLst>
-          </p:cNvPr>
-          <p:cNvSpPr>
-            <a:spLocks noGrp="1"/>
-          </p:cNvSpPr>
-          <p:nvPr>
-            <p:ph type="ctrTitle"/>
-          </p:nvPr>
-        </p:nvSpPr>
-        <p:spPr/>
-        <p:txBody>
-          <a:bodyPr/>
-          <a:lstStyle/>
-          <a:p>
-            <a:r>
-              <a:rPr lang="en-US" dirty="0"/>
-              <a:t>Teachers’ Celebration</a:t>
-            </a:r>
-          </a:p>
-        </p:txBody>
-      </p:sp>
-      <p:sp>
-        <p:nvSpPr>
-          <p:cNvPr id="75" name="Text Placeholder 74">
-            <a:extLst>
-              <a:ext uri="{FF2B5EF4-FFF2-40B4-BE49-F238E27FC236}">
-                <a16:creationId xmlns:a16="http://schemas.microsoft.com/office/drawing/2014/main" id="{909326B0-A1A7-D847-8F79-6C2B106C50F5}"/>
-              </a:ext>
-            </a:extLst>
-          </p:cNvPr>
-          <p:cNvSpPr>
-            <a:spLocks noGrp="1"/>
-          </p:cNvSpPr>
-          <p:nvPr>
-            <p:ph type="body" sz="quarter" idx="10"/>
-          </p:nvPr>
-        </p:nvSpPr>
-        <p:spPr/>
-        <p:txBody>
-          <a:bodyPr/>
-          <a:lstStyle/>
-          <a:p>
-            <a:r>
-              <a:rPr lang="en-US" dirty="0"/>
-              <a:t>December 10, 20XX</a:t>
-            </a:r>
-          </a:p>
-        </p:txBody>
-      </p:sp>
-      <p:sp>
-        <p:nvSpPr>
-          <p:cNvPr id="83" name="Text Placeholder 82">
-            <a:extLst>
-              <a:ext uri="{FF2B5EF4-FFF2-40B4-BE49-F238E27FC236}">
-                <a16:creationId xmlns:a16="http://schemas.microsoft.com/office/drawing/2014/main" id="{5DA1FD96-27E6-9747-AE34-8C7661E4CAF2}"/>
-              </a:ext>
-            </a:extLst>
-          </p:cNvPr>
-          <p:cNvSpPr>
-            <a:spLocks noGrp="1"/>
-          </p:cNvSpPr>
-          <p:nvPr>
-            <p:ph type="body" sz="quarter" idx="11"/>
-          </p:nvPr>
-        </p:nvSpPr>
-        <p:spPr/>
-        <p:txBody>
-          <a:bodyPr/>
-          <a:lstStyle/>
-          <a:p>
-            <a:r>
-              <a:rPr lang="en-US" dirty="0"/>
-              <a:t>Times Goes Here | Location Goes Here</a:t>
-            </a:r>
-          </a:p>
-        </p:txBody>
-      </p:sp>
-      <p:sp>
-        <p:nvSpPr>
-          <p:cNvPr id="77" name="Text Placeholder 76">
-            <a:extLst>
-              <a:ext uri="{FF2B5EF4-FFF2-40B4-BE49-F238E27FC236}">
-                <a16:creationId xmlns:a16="http://schemas.microsoft.com/office/drawing/2014/main" id="{8A7A2A56-C23D-7F4C-901E-844B718BA7B8}"/>
-              </a:ext>
-            </a:extLst>
-          </p:cNvPr>
-          <p:cNvSpPr>
-            <a:spLocks noGrp="1"/>
-          </p:cNvSpPr>
-          <p:nvPr>
-            <p:ph type="body" sz="quarter" idx="12"/>
-          </p:nvPr>
-        </p:nvSpPr>
-        <p:spPr/>
-        <p:txBody>
-          <a:bodyPr/>
-          <a:lstStyle/>
-          <a:p>
-            <a:r>
-              <a:rPr lang="en-US" dirty="0"/>
-              <a:t>Lorem ipsum dolor sit amet, consectetur adipiscing elit, sed do.</a:t>
-            </a:r>
-          </a:p>
-        </p:txBody>
-      </p:sp>
-    </p:spTree>
-    <p:extLst>
-      <p:ext uri="{BB962C8B-B14F-4D97-AF65-F5344CB8AC3E}">
-        <p14:creationId xmlns:p14="http://schemas.microsoft.com/office/powerpoint/2010/main" val="3276218933"/>
-      </p:ext>
-    </p:extLst>
-  </p:cSld>
-  <p:clrMapOvr>
-    <a:masterClrMapping/>
-  </p:clrMapOvr>
-</p:sld>
-</file>
-
-<file path=ppt/slides/slide2.xml><?xml version="1.0" encoding="utf-8"?>
-<p:sld xmlns:a="http://schemas.openxmlformats.org/drawingml/2006/main" xmlns:r="http://schemas.openxmlformats.org/officeDocument/2006/relationships" xmlns:p="http://schemas.openxmlformats.org/presentationml/2006/main">
-  <p:cSld>
     <p:spTree>
       <p:nvGrpSpPr>
         <p:cNvPr id="1" name=""/>
@@ -34180,7 +34037,7 @@
           <a:p>
             <a:r>
               <a:rPr lang="en-US"/>
-              <a:t>December 11</a:t>
+              <a:t>February 19</a:t>
             </a:r>
             <a:endParaRPr lang="en-US" dirty="0"/>
           </a:p>
@@ -34487,6 +34344,156 @@
     <p:extLst>
       <p:ext uri="{BB962C8B-B14F-4D97-AF65-F5344CB8AC3E}">
         <p14:creationId xmlns:p14="http://schemas.microsoft.com/office/powerpoint/2010/main" val="1749219725"/>
+      </p:ext>
+    </p:extLst>
+  </p:cSld>
+  <p:clrMapOvr>
+    <a:masterClrMapping/>
+  </p:clrMapOvr>
+</p:sld>
+</file>
+
+<file path=ppt/slides/slide2.xml><?xml version="1.0" encoding="utf-8"?>
+<p:sld xmlns:a="http://schemas.openxmlformats.org/drawingml/2006/main" xmlns:r="http://schemas.openxmlformats.org/officeDocument/2006/relationships" xmlns:p="http://schemas.openxmlformats.org/presentationml/2006/main">
+  <p:cSld>
+    <p:bg>
+      <p:bgPr>
+        <a:solidFill>
+          <a:srgbClr val="FFFFFF"/>
+        </a:solidFill>
+        <a:effectLst/>
+      </p:bgPr>
+    </p:bg>
+    <p:spTree>
+      <p:nvGrpSpPr>
+        <p:cNvPr id="1" name=""/>
+        <p:cNvGrpSpPr/>
+        <p:nvPr/>
+      </p:nvGrpSpPr>
+      <p:grpSpPr>
+        <a:xfrm>
+          <a:off x="0" y="0"/>
+          <a:ext cx="0" cy="0"/>
+          <a:chOff x="0" y="0"/>
+          <a:chExt cx="0" cy="0"/>
+        </a:xfrm>
+      </p:grpSpPr>
+      <p:sp>
+        <p:nvSpPr>
+          <p:cNvPr id="2" name="Title 1">
+            <a:extLst>
+              <a:ext uri="{FF2B5EF4-FFF2-40B4-BE49-F238E27FC236}">
+                <a16:creationId xmlns:a16="http://schemas.microsoft.com/office/drawing/2014/main" id="{134B62BE-D458-714C-9A13-9E6BC8D69B1E}"/>
+              </a:ext>
+            </a:extLst>
+          </p:cNvPr>
+          <p:cNvSpPr>
+            <a:spLocks noGrp="1"/>
+          </p:cNvSpPr>
+          <p:nvPr>
+            <p:ph type="ctrTitle"/>
+          </p:nvPr>
+        </p:nvSpPr>
+        <p:spPr/>
+        <p:txBody>
+          <a:bodyPr/>
+          <a:lstStyle/>
+          <a:p>
+            <a:r>
+              <a:rPr lang="en-US" dirty="0"/>
+              <a:t>Teachers’ Celebration</a:t>
+            </a:r>
+          </a:p>
+        </p:txBody>
+      </p:sp>
+      <p:sp>
+        <p:nvSpPr>
+          <p:cNvPr id="75" name="Text Placeholder 74">
+            <a:extLst>
+              <a:ext uri="{FF2B5EF4-FFF2-40B4-BE49-F238E27FC236}">
+                <a16:creationId xmlns:a16="http://schemas.microsoft.com/office/drawing/2014/main" id="{909326B0-A1A7-D847-8F79-6C2B106C50F5}"/>
+              </a:ext>
+            </a:extLst>
+          </p:cNvPr>
+          <p:cNvSpPr>
+            <a:spLocks noGrp="1"/>
+          </p:cNvSpPr>
+          <p:nvPr>
+            <p:ph type="body" sz="quarter" idx="10"/>
+          </p:nvPr>
+        </p:nvSpPr>
+        <p:spPr/>
+        <p:txBody>
+          <a:bodyPr/>
+          <a:lstStyle/>
+          <a:p>
+            <a:r>
+              <a:rPr lang="en-US" dirty="0"/>
+              <a:t>December 10, 20XX</a:t>
+            </a:r>
+          </a:p>
+        </p:txBody>
+      </p:sp>
+      <p:sp>
+        <p:nvSpPr>
+          <p:cNvPr id="83" name="Text Placeholder 82">
+            <a:extLst>
+              <a:ext uri="{FF2B5EF4-FFF2-40B4-BE49-F238E27FC236}">
+                <a16:creationId xmlns:a16="http://schemas.microsoft.com/office/drawing/2014/main" id="{5DA1FD96-27E6-9747-AE34-8C7661E4CAF2}"/>
+              </a:ext>
+            </a:extLst>
+          </p:cNvPr>
+          <p:cNvSpPr>
+            <a:spLocks noGrp="1"/>
+          </p:cNvSpPr>
+          <p:nvPr>
+            <p:ph type="body" sz="quarter" idx="11"/>
+          </p:nvPr>
+        </p:nvSpPr>
+        <p:spPr/>
+        <p:txBody>
+          <a:bodyPr/>
+          <a:lstStyle/>
+          <a:p>
+            <a:r>
+              <a:rPr lang="en-US" dirty="0"/>
+              <a:t>Times Goes Here | Location Goes Here</a:t>
+            </a:r>
+          </a:p>
+        </p:txBody>
+      </p:sp>
+      <p:sp>
+        <p:nvSpPr>
+          <p:cNvPr id="77" name="Text Placeholder 76">
+            <a:extLst>
+              <a:ext uri="{FF2B5EF4-FFF2-40B4-BE49-F238E27FC236}">
+                <a16:creationId xmlns:a16="http://schemas.microsoft.com/office/drawing/2014/main" id="{8A7A2A56-C23D-7F4C-901E-844B718BA7B8}"/>
+              </a:ext>
+            </a:extLst>
+          </p:cNvPr>
+          <p:cNvSpPr>
+            <a:spLocks noGrp="1"/>
+          </p:cNvSpPr>
+          <p:nvPr>
+            <p:ph type="body" sz="quarter" idx="12"/>
+          </p:nvPr>
+        </p:nvSpPr>
+        <p:spPr/>
+        <p:txBody>
+          <a:bodyPr/>
+          <a:lstStyle/>
+          <a:p>
+            <a:r>
+              <a:rPr lang="en-US" dirty="0"/>
+              <a:t>Lorem ipsum dolor sit amet, consectetur adipiscing elit, sed do.</a:t>
+            </a:r>
+          </a:p>
+        </p:txBody>
+      </p:sp>
+    </p:spTree>
+    <p:extLst>
+      <p:ext uri="{BB962C8B-B14F-4D97-AF65-F5344CB8AC3E}">
+        <p14:creationId xmlns:p14="http://schemas.microsoft.com/office/powerpoint/2010/main" val="3276218933"/>
       </p:ext>
     </p:extLst>
   </p:cSld>

--- a/MathsJam.pptx
+++ b/MathsJam.pptx
@@ -299,7 +299,7 @@
   <pc:docChgLst>
     <pc:chgData name="Mariah Birgen" userId="b10ecf27-fcd0-4f69-888c-a706ddbd43c5" providerId="ADAL" clId="{6C2F3DE5-ECD4-4EED-9A11-23B51B8E8E84}"/>
     <pc:docChg chg="modSld sldOrd">
-      <pc:chgData name="Mariah Birgen" userId="b10ecf27-fcd0-4f69-888c-a706ddbd43c5" providerId="ADAL" clId="{6C2F3DE5-ECD4-4EED-9A11-23B51B8E8E84}" dt="2024-02-12T22:32:43.656" v="35" actId="20577"/>
+      <pc:chgData name="Mariah Birgen" userId="b10ecf27-fcd0-4f69-888c-a706ddbd43c5" providerId="ADAL" clId="{6C2F3DE5-ECD4-4EED-9A11-23B51B8E8E84}" dt="2024-05-20T13:41:35.952" v="55" actId="20577"/>
       <pc:docMkLst>
         <pc:docMk/>
       </pc:docMkLst>
@@ -311,13 +311,13 @@
         </pc:sldMkLst>
       </pc:sldChg>
       <pc:sldChg chg="modSp mod">
-        <pc:chgData name="Mariah Birgen" userId="b10ecf27-fcd0-4f69-888c-a706ddbd43c5" providerId="ADAL" clId="{6C2F3DE5-ECD4-4EED-9A11-23B51B8E8E84}" dt="2024-02-12T22:32:43.656" v="35" actId="20577"/>
+        <pc:chgData name="Mariah Birgen" userId="b10ecf27-fcd0-4f69-888c-a706ddbd43c5" providerId="ADAL" clId="{6C2F3DE5-ECD4-4EED-9A11-23B51B8E8E84}" dt="2024-05-20T13:41:35.952" v="55" actId="20577"/>
         <pc:sldMkLst>
           <pc:docMk/>
           <pc:sldMk cId="1749219725" sldId="268"/>
         </pc:sldMkLst>
         <pc:spChg chg="mod">
-          <ac:chgData name="Mariah Birgen" userId="b10ecf27-fcd0-4f69-888c-a706ddbd43c5" providerId="ADAL" clId="{6C2F3DE5-ECD4-4EED-9A11-23B51B8E8E84}" dt="2024-02-12T22:32:43.656" v="35" actId="20577"/>
+          <ac:chgData name="Mariah Birgen" userId="b10ecf27-fcd0-4f69-888c-a706ddbd43c5" providerId="ADAL" clId="{6C2F3DE5-ECD4-4EED-9A11-23B51B8E8E84}" dt="2024-05-20T13:41:35.952" v="55" actId="20577"/>
           <ac:spMkLst>
             <pc:docMk/>
             <pc:sldMk cId="1749219725" sldId="268"/>
@@ -28499,7 +28499,7 @@
             <a:fld id="{D541487B-8511-D440-8421-7E31D83D5558}" type="datetimeFigureOut">
               <a:rPr lang="en-US" smtClean="0"/>
               <a:pPr/>
-              <a:t>2/12/2024</a:t>
+              <a:t>5/20/2024</a:t>
             </a:fld>
             <a:endParaRPr lang="en-US" dirty="0"/>
           </a:p>
@@ -29200,7 +29200,7 @@
             <a:fld id="{D541487B-8511-D440-8421-7E31D83D5558}" type="datetimeFigureOut">
               <a:rPr lang="en-US" smtClean="0"/>
               <a:pPr/>
-              <a:t>2/12/2024</a:t>
+              <a:t>5/20/2024</a:t>
             </a:fld>
             <a:endParaRPr lang="en-US" dirty="0"/>
           </a:p>
@@ -29775,7 +29775,7 @@
           <a:p>
             <a:fld id="{D541487B-8511-D440-8421-7E31D83D5558}" type="datetimeFigureOut">
               <a:rPr lang="en-US" smtClean="0"/>
-              <a:t>2/12/2024</a:t>
+              <a:t>5/20/2024</a:t>
             </a:fld>
             <a:endParaRPr lang="en-US" dirty="0"/>
           </a:p>
@@ -31851,7 +31851,7 @@
           <a:p>
             <a:fld id="{D541487B-8511-D440-8421-7E31D83D5558}" type="datetimeFigureOut">
               <a:rPr lang="en-US" smtClean="0"/>
-              <a:t>2/12/2024</a:t>
+              <a:t>5/20/2024</a:t>
             </a:fld>
             <a:endParaRPr lang="en-US" dirty="0"/>
           </a:p>
@@ -32399,7 +32399,7 @@
             <a:fld id="{435CA60F-FFC1-0F45-8FC4-48465EBE2778}" type="datetimeFigureOut">
               <a:rPr lang="en-US" smtClean="0"/>
               <a:pPr/>
-              <a:t>2/12/2024</a:t>
+              <a:t>5/20/2024</a:t>
             </a:fld>
             <a:endParaRPr lang="en-US" dirty="0"/>
           </a:p>
@@ -32962,7 +32962,7 @@
             <a:fld id="{313121A1-4E39-974B-A232-C4E939022B06}" type="datetimeFigureOut">
               <a:rPr lang="en-US" smtClean="0"/>
               <a:pPr/>
-              <a:t>2/12/2024</a:t>
+              <a:t>5/20/2024</a:t>
             </a:fld>
             <a:endParaRPr lang="en-US" dirty="0"/>
           </a:p>
@@ -33525,7 +33525,7 @@
             <a:fld id="{80038350-B08A-D84E-A34E-DF31257ED6A6}" type="datetimeFigureOut">
               <a:rPr lang="en-US" smtClean="0"/>
               <a:pPr/>
-              <a:t>2/12/2024</a:t>
+              <a:t>5/20/2024</a:t>
             </a:fld>
             <a:endParaRPr lang="en-US" dirty="0"/>
           </a:p>
@@ -34037,7 +34037,7 @@
           <a:p>
             <a:r>
               <a:rPr lang="en-US"/>
-              <a:t>February 19</a:t>
+              <a:t>May 20</a:t>
             </a:r>
             <a:endParaRPr lang="en-US" dirty="0"/>
           </a:p>
@@ -35570,6 +35570,15 @@
 </file>
 
 <file path=customXml/item1.xml><?xml version="1.0" encoding="utf-8"?>
+<?mso-contentType ?>
+<FormTemplates xmlns="http://schemas.microsoft.com/sharepoint/v3/contenttype/forms">
+  <Display>DocumentLibraryForm</Display>
+  <Edit>DocumentLibraryForm</Edit>
+  <New>DocumentLibraryForm</New>
+</FormTemplates>
+</file>
+
+<file path=customXml/item2.xml><?xml version="1.0" encoding="utf-8"?>
 <p:properties xmlns:p="http://schemas.microsoft.com/office/2006/metadata/properties" xmlns:xsi="http://www.w3.org/2001/XMLSchema-instance" xmlns:pc="http://schemas.microsoft.com/office/infopath/2007/PartnerControls">
   <documentManagement>
     <_ip_UnifiedCompliancePolicyUIAction xmlns="http://schemas.microsoft.com/sharepoint/v3" xsi:nil="true"/>
@@ -35587,15 +35596,6 @@
     <MediaServiceKeyPoints xmlns="71af3243-3dd4-4a8d-8c0d-dd76da1f02a5" xsi:nil="true"/>
   </documentManagement>
 </p:properties>
-</file>
-
-<file path=customXml/item2.xml><?xml version="1.0" encoding="utf-8"?>
-<?mso-contentType ?>
-<FormTemplates xmlns="http://schemas.microsoft.com/sharepoint/v3/contenttype/forms">
-  <Display>DocumentLibraryForm</Display>
-  <Edit>DocumentLibraryForm</Edit>
-  <New>DocumentLibraryForm</New>
-</FormTemplates>
 </file>
 
 <file path=customXml/item3.xml><?xml version="1.0" encoding="utf-8"?>
@@ -35887,6 +35887,14 @@
 </file>
 
 <file path=customXml/itemProps1.xml><?xml version="1.0" encoding="utf-8"?>
+<ds:datastoreItem xmlns:ds="http://schemas.openxmlformats.org/officeDocument/2006/customXml" ds:itemID="{4EE84556-F5AA-4F8D-9601-4206B119FC55}">
+  <ds:schemaRefs>
+    <ds:schemaRef ds:uri="http://schemas.microsoft.com/sharepoint/v3/contenttype/forms"/>
+  </ds:schemaRefs>
+</ds:datastoreItem>
+</file>
+
+<file path=customXml/itemProps2.xml><?xml version="1.0" encoding="utf-8"?>
 <ds:datastoreItem xmlns:ds="http://schemas.openxmlformats.org/officeDocument/2006/customXml" ds:itemID="{9E9BB509-C5F1-4914-8021-036A31979402}">
   <ds:schemaRefs>
     <ds:schemaRef ds:uri="http://purl.org/dc/elements/1.1/"/>
@@ -35901,14 +35909,6 @@
     <ds:schemaRef ds:uri="http://schemas.openxmlformats.org/package/2006/metadata/core-properties"/>
     <ds:schemaRef ds:uri="71af3243-3dd4-4a8d-8c0d-dd76da1f02a5"/>
     <ds:schemaRef ds:uri="http://www.w3.org/XML/1998/namespace"/>
-  </ds:schemaRefs>
-</ds:datastoreItem>
-</file>
-
-<file path=customXml/itemProps2.xml><?xml version="1.0" encoding="utf-8"?>
-<ds:datastoreItem xmlns:ds="http://schemas.openxmlformats.org/officeDocument/2006/customXml" ds:itemID="{4EE84556-F5AA-4F8D-9601-4206B119FC55}">
-  <ds:schemaRefs>
-    <ds:schemaRef ds:uri="http://schemas.microsoft.com/sharepoint/v3/contenttype/forms"/>
   </ds:schemaRefs>
 </ds:datastoreItem>
 </file>

--- a/MathsJam.pptx
+++ b/MathsJam.pptx
@@ -121,6 +121,38 @@
 <file path=ppt/changesInfos/changesInfo1.xml><?xml version="1.0" encoding="utf-8"?>
 <pc:chgInfo xmlns:a="http://schemas.openxmlformats.org/drawingml/2006/main" xmlns:r="http://schemas.openxmlformats.org/officeDocument/2006/relationships" xmlns:ac="http://schemas.microsoft.com/office/drawing/2013/main/command" xmlns:pc="http://schemas.microsoft.com/office/powerpoint/2013/main/command">
   <pc:docChgLst>
+    <pc:chgData name="Mariah Birgen" userId="b10ecf27-fcd0-4f69-888c-a706ddbd43c5" providerId="ADAL" clId="{1F14A5C9-F64D-4924-9B4B-8827A8E48F45}"/>
+    <pc:docChg chg="custSel modSld">
+      <pc:chgData name="Mariah Birgen" userId="b10ecf27-fcd0-4f69-888c-a706ddbd43c5" providerId="ADAL" clId="{1F14A5C9-F64D-4924-9B4B-8827A8E48F45}" dt="2023-05-21T18:12:26.548" v="14" actId="20577"/>
+      <pc:docMkLst>
+        <pc:docMk/>
+      </pc:docMkLst>
+      <pc:sldChg chg="delSp modSp mod">
+        <pc:chgData name="Mariah Birgen" userId="b10ecf27-fcd0-4f69-888c-a706ddbd43c5" providerId="ADAL" clId="{1F14A5C9-F64D-4924-9B4B-8827A8E48F45}" dt="2023-05-21T18:12:26.548" v="14" actId="20577"/>
+        <pc:sldMkLst>
+          <pc:docMk/>
+          <pc:sldMk cId="1749219725" sldId="268"/>
+        </pc:sldMkLst>
+        <pc:spChg chg="del">
+          <ac:chgData name="Mariah Birgen" userId="b10ecf27-fcd0-4f69-888c-a706ddbd43c5" providerId="ADAL" clId="{1F14A5C9-F64D-4924-9B4B-8827A8E48F45}" dt="2023-04-11T20:53:52.811" v="0" actId="478"/>
+          <ac:spMkLst>
+            <pc:docMk/>
+            <pc:sldMk cId="1749219725" sldId="268"/>
+            <ac:spMk id="4" creationId="{6407BD81-55AF-887F-2ABC-A5B92B30F59C}"/>
+          </ac:spMkLst>
+        </pc:spChg>
+        <pc:spChg chg="mod">
+          <ac:chgData name="Mariah Birgen" userId="b10ecf27-fcd0-4f69-888c-a706ddbd43c5" providerId="ADAL" clId="{1F14A5C9-F64D-4924-9B4B-8827A8E48F45}" dt="2023-05-21T18:12:26.548" v="14" actId="20577"/>
+          <ac:spMkLst>
+            <pc:docMk/>
+            <pc:sldMk cId="1749219725" sldId="268"/>
+            <ac:spMk id="22" creationId="{6436C1BA-6AC9-D645-BF31-F5E682FD2F19}"/>
+          </ac:spMkLst>
+        </pc:spChg>
+      </pc:sldChg>
+    </pc:docChg>
+  </pc:docChgLst>
+  <pc:docChgLst>
     <pc:chgData name="Mariah Birgen" userId="b10ecf27-fcd0-4f69-888c-a706ddbd43c5" providerId="ADAL" clId="{D7AE51E1-A1BD-4FF1-A88E-5788D1ED818C}"/>
     <pc:docChg chg="modSld">
       <pc:chgData name="Mariah Birgen" userId="b10ecf27-fcd0-4f69-888c-a706ddbd43c5" providerId="ADAL" clId="{D7AE51E1-A1BD-4FF1-A88E-5788D1ED818C}" dt="2023-11-14T22:25:42.633" v="9" actId="20577"/>
@@ -135,6 +167,54 @@
         </pc:sldMkLst>
         <pc:spChg chg="mod">
           <ac:chgData name="Mariah Birgen" userId="b10ecf27-fcd0-4f69-888c-a706ddbd43c5" providerId="ADAL" clId="{D7AE51E1-A1BD-4FF1-A88E-5788D1ED818C}" dt="2023-11-14T22:25:42.633" v="9" actId="20577"/>
+          <ac:spMkLst>
+            <pc:docMk/>
+            <pc:sldMk cId="1749219725" sldId="268"/>
+            <ac:spMk id="22" creationId="{6436C1BA-6AC9-D645-BF31-F5E682FD2F19}"/>
+          </ac:spMkLst>
+        </pc:spChg>
+      </pc:sldChg>
+    </pc:docChg>
+  </pc:docChgLst>
+  <pc:docChgLst>
+    <pc:chgData name="Mariah Birgen" userId="b10ecf27-fcd0-4f69-888c-a706ddbd43c5" providerId="ADAL" clId="{85C8202E-B9B5-4531-BF9B-A71D80EF7553}"/>
+    <pc:docChg chg="modSld">
+      <pc:chgData name="Mariah Birgen" userId="b10ecf27-fcd0-4f69-888c-a706ddbd43c5" providerId="ADAL" clId="{85C8202E-B9B5-4531-BF9B-A71D80EF7553}" dt="2023-10-12T14:56:28.004" v="9" actId="20577"/>
+      <pc:docMkLst>
+        <pc:docMk/>
+      </pc:docMkLst>
+      <pc:sldChg chg="modSp mod">
+        <pc:chgData name="Mariah Birgen" userId="b10ecf27-fcd0-4f69-888c-a706ddbd43c5" providerId="ADAL" clId="{85C8202E-B9B5-4531-BF9B-A71D80EF7553}" dt="2023-10-12T14:56:28.004" v="9" actId="20577"/>
+        <pc:sldMkLst>
+          <pc:docMk/>
+          <pc:sldMk cId="1749219725" sldId="268"/>
+        </pc:sldMkLst>
+        <pc:spChg chg="mod">
+          <ac:chgData name="Mariah Birgen" userId="b10ecf27-fcd0-4f69-888c-a706ddbd43c5" providerId="ADAL" clId="{85C8202E-B9B5-4531-BF9B-A71D80EF7553}" dt="2023-10-12T14:56:28.004" v="9" actId="20577"/>
+          <ac:spMkLst>
+            <pc:docMk/>
+            <pc:sldMk cId="1749219725" sldId="268"/>
+            <ac:spMk id="22" creationId="{6436C1BA-6AC9-D645-BF31-F5E682FD2F19}"/>
+          </ac:spMkLst>
+        </pc:spChg>
+      </pc:sldChg>
+    </pc:docChg>
+  </pc:docChgLst>
+  <pc:docChgLst>
+    <pc:chgData name="Mariah Birgen" userId="b10ecf27-fcd0-4f69-888c-a706ddbd43c5" providerId="ADAL" clId="{F01D81EE-DAC7-44A7-B810-CCF6CDE9EEBD}"/>
+    <pc:docChg chg="modSld">
+      <pc:chgData name="Mariah Birgen" userId="b10ecf27-fcd0-4f69-888c-a706ddbd43c5" providerId="ADAL" clId="{F01D81EE-DAC7-44A7-B810-CCF6CDE9EEBD}" dt="2024-09-11T15:09:45.589" v="24" actId="20577"/>
+      <pc:docMkLst>
+        <pc:docMk/>
+      </pc:docMkLst>
+      <pc:sldChg chg="modSp mod">
+        <pc:chgData name="Mariah Birgen" userId="b10ecf27-fcd0-4f69-888c-a706ddbd43c5" providerId="ADAL" clId="{F01D81EE-DAC7-44A7-B810-CCF6CDE9EEBD}" dt="2024-09-11T15:09:45.589" v="24" actId="20577"/>
+        <pc:sldMkLst>
+          <pc:docMk/>
+          <pc:sldMk cId="1749219725" sldId="268"/>
+        </pc:sldMkLst>
+        <pc:spChg chg="mod">
+          <ac:chgData name="Mariah Birgen" userId="b10ecf27-fcd0-4f69-888c-a706ddbd43c5" providerId="ADAL" clId="{F01D81EE-DAC7-44A7-B810-CCF6CDE9EEBD}" dt="2024-09-11T15:09:45.589" v="24" actId="20577"/>
           <ac:spMkLst>
             <pc:docMk/>
             <pc:sldMk cId="1749219725" sldId="268"/>
@@ -169,110 +249,6 @@
     </pc:docChg>
   </pc:docChgLst>
   <pc:docChgLst>
-    <pc:chgData name="Mariah Birgen" userId="b10ecf27-fcd0-4f69-888c-a706ddbd43c5" providerId="ADAL" clId="{553A39A2-D645-460F-A5D6-4FCBC5538FCC}"/>
-    <pc:docChg chg="modSld">
-      <pc:chgData name="Mariah Birgen" userId="b10ecf27-fcd0-4f69-888c-a706ddbd43c5" providerId="ADAL" clId="{553A39A2-D645-460F-A5D6-4FCBC5538FCC}" dt="2023-06-19T16:54:23.902" v="4" actId="20577"/>
-      <pc:docMkLst>
-        <pc:docMk/>
-      </pc:docMkLst>
-      <pc:sldChg chg="modSp mod">
-        <pc:chgData name="Mariah Birgen" userId="b10ecf27-fcd0-4f69-888c-a706ddbd43c5" providerId="ADAL" clId="{553A39A2-D645-460F-A5D6-4FCBC5538FCC}" dt="2023-06-19T16:54:23.902" v="4" actId="20577"/>
-        <pc:sldMkLst>
-          <pc:docMk/>
-          <pc:sldMk cId="1749219725" sldId="268"/>
-        </pc:sldMkLst>
-        <pc:spChg chg="mod">
-          <ac:chgData name="Mariah Birgen" userId="b10ecf27-fcd0-4f69-888c-a706ddbd43c5" providerId="ADAL" clId="{553A39A2-D645-460F-A5D6-4FCBC5538FCC}" dt="2023-06-19T16:54:23.902" v="4" actId="20577"/>
-          <ac:spMkLst>
-            <pc:docMk/>
-            <pc:sldMk cId="1749219725" sldId="268"/>
-            <ac:spMk id="22" creationId="{6436C1BA-6AC9-D645-BF31-F5E682FD2F19}"/>
-          </ac:spMkLst>
-        </pc:spChg>
-      </pc:sldChg>
-    </pc:docChg>
-  </pc:docChgLst>
-  <pc:docChgLst>
-    <pc:chgData name="Mariah Birgen" userId="b10ecf27-fcd0-4f69-888c-a706ddbd43c5" providerId="ADAL" clId="{96555AC3-DE5D-4EFB-A376-434487E394BF}"/>
-    <pc:docChg chg="modSld">
-      <pc:chgData name="Mariah Birgen" userId="b10ecf27-fcd0-4f69-888c-a706ddbd43c5" providerId="ADAL" clId="{96555AC3-DE5D-4EFB-A376-434487E394BF}" dt="2023-08-17T20:34:17.018" v="8" actId="20577"/>
-      <pc:docMkLst>
-        <pc:docMk/>
-      </pc:docMkLst>
-      <pc:sldChg chg="modSp mod">
-        <pc:chgData name="Mariah Birgen" userId="b10ecf27-fcd0-4f69-888c-a706ddbd43c5" providerId="ADAL" clId="{96555AC3-DE5D-4EFB-A376-434487E394BF}" dt="2023-08-17T20:34:17.018" v="8" actId="20577"/>
-        <pc:sldMkLst>
-          <pc:docMk/>
-          <pc:sldMk cId="1749219725" sldId="268"/>
-        </pc:sldMkLst>
-        <pc:spChg chg="mod">
-          <ac:chgData name="Mariah Birgen" userId="b10ecf27-fcd0-4f69-888c-a706ddbd43c5" providerId="ADAL" clId="{96555AC3-DE5D-4EFB-A376-434487E394BF}" dt="2023-08-17T20:34:17.018" v="8" actId="20577"/>
-          <ac:spMkLst>
-            <pc:docMk/>
-            <pc:sldMk cId="1749219725" sldId="268"/>
-            <ac:spMk id="22" creationId="{6436C1BA-6AC9-D645-BF31-F5E682FD2F19}"/>
-          </ac:spMkLst>
-        </pc:spChg>
-      </pc:sldChg>
-    </pc:docChg>
-  </pc:docChgLst>
-  <pc:docChgLst>
-    <pc:chgData name="Mariah Birgen" userId="b10ecf27-fcd0-4f69-888c-a706ddbd43c5" providerId="ADAL" clId="{1F14A5C9-F64D-4924-9B4B-8827A8E48F45}"/>
-    <pc:docChg chg="custSel modSld">
-      <pc:chgData name="Mariah Birgen" userId="b10ecf27-fcd0-4f69-888c-a706ddbd43c5" providerId="ADAL" clId="{1F14A5C9-F64D-4924-9B4B-8827A8E48F45}" dt="2023-05-21T18:12:26.548" v="14" actId="20577"/>
-      <pc:docMkLst>
-        <pc:docMk/>
-      </pc:docMkLst>
-      <pc:sldChg chg="delSp modSp mod">
-        <pc:chgData name="Mariah Birgen" userId="b10ecf27-fcd0-4f69-888c-a706ddbd43c5" providerId="ADAL" clId="{1F14A5C9-F64D-4924-9B4B-8827A8E48F45}" dt="2023-05-21T18:12:26.548" v="14" actId="20577"/>
-        <pc:sldMkLst>
-          <pc:docMk/>
-          <pc:sldMk cId="1749219725" sldId="268"/>
-        </pc:sldMkLst>
-        <pc:spChg chg="del">
-          <ac:chgData name="Mariah Birgen" userId="b10ecf27-fcd0-4f69-888c-a706ddbd43c5" providerId="ADAL" clId="{1F14A5C9-F64D-4924-9B4B-8827A8E48F45}" dt="2023-04-11T20:53:52.811" v="0" actId="478"/>
-          <ac:spMkLst>
-            <pc:docMk/>
-            <pc:sldMk cId="1749219725" sldId="268"/>
-            <ac:spMk id="4" creationId="{6407BD81-55AF-887F-2ABC-A5B92B30F59C}"/>
-          </ac:spMkLst>
-        </pc:spChg>
-        <pc:spChg chg="mod">
-          <ac:chgData name="Mariah Birgen" userId="b10ecf27-fcd0-4f69-888c-a706ddbd43c5" providerId="ADAL" clId="{1F14A5C9-F64D-4924-9B4B-8827A8E48F45}" dt="2023-05-21T18:12:26.548" v="14" actId="20577"/>
-          <ac:spMkLst>
-            <pc:docMk/>
-            <pc:sldMk cId="1749219725" sldId="268"/>
-            <ac:spMk id="22" creationId="{6436C1BA-6AC9-D645-BF31-F5E682FD2F19}"/>
-          </ac:spMkLst>
-        </pc:spChg>
-      </pc:sldChg>
-    </pc:docChg>
-  </pc:docChgLst>
-  <pc:docChgLst>
-    <pc:chgData name="Mariah Birgen" userId="b10ecf27-fcd0-4f69-888c-a706ddbd43c5" providerId="ADAL" clId="{85C8202E-B9B5-4531-BF9B-A71D80EF7553}"/>
-    <pc:docChg chg="modSld">
-      <pc:chgData name="Mariah Birgen" userId="b10ecf27-fcd0-4f69-888c-a706ddbd43c5" providerId="ADAL" clId="{85C8202E-B9B5-4531-BF9B-A71D80EF7553}" dt="2023-10-12T14:56:28.004" v="9" actId="20577"/>
-      <pc:docMkLst>
-        <pc:docMk/>
-      </pc:docMkLst>
-      <pc:sldChg chg="modSp mod">
-        <pc:chgData name="Mariah Birgen" userId="b10ecf27-fcd0-4f69-888c-a706ddbd43c5" providerId="ADAL" clId="{85C8202E-B9B5-4531-BF9B-A71D80EF7553}" dt="2023-10-12T14:56:28.004" v="9" actId="20577"/>
-        <pc:sldMkLst>
-          <pc:docMk/>
-          <pc:sldMk cId="1749219725" sldId="268"/>
-        </pc:sldMkLst>
-        <pc:spChg chg="mod">
-          <ac:chgData name="Mariah Birgen" userId="b10ecf27-fcd0-4f69-888c-a706ddbd43c5" providerId="ADAL" clId="{85C8202E-B9B5-4531-BF9B-A71D80EF7553}" dt="2023-10-12T14:56:28.004" v="9" actId="20577"/>
-          <ac:spMkLst>
-            <pc:docMk/>
-            <pc:sldMk cId="1749219725" sldId="268"/>
-            <ac:spMk id="22" creationId="{6436C1BA-6AC9-D645-BF31-F5E682FD2F19}"/>
-          </ac:spMkLst>
-        </pc:spChg>
-      </pc:sldChg>
-    </pc:docChg>
-  </pc:docChgLst>
-  <pc:docChgLst>
     <pc:chgData name="Mariah Birgen" userId="b10ecf27-fcd0-4f69-888c-a706ddbd43c5" providerId="ADAL" clId="{071B7BDA-2325-4648-AC71-0CFA04F1C332}"/>
     <pc:docChg chg="modSld">
       <pc:chgData name="Mariah Birgen" userId="b10ecf27-fcd0-4f69-888c-a706ddbd43c5" providerId="ADAL" clId="{071B7BDA-2325-4648-AC71-0CFA04F1C332}" dt="2023-09-14T12:45:28.137" v="11" actId="20577"/>
@@ -294,6 +270,15 @@
           </ac:spMkLst>
         </pc:spChg>
       </pc:sldChg>
+    </pc:docChg>
+  </pc:docChgLst>
+  <pc:docChgLst>
+    <pc:chgData name="Mariah Birgen" userId="b10ecf27-fcd0-4f69-888c-a706ddbd43c5" providerId="ADAL" clId="{96555AC3-DE5D-4EFB-A376-434487E394BF}"/>
+    <pc:docChg chg="modSld">
+      <pc:chgData name="Mariah Birgen" userId="b10ecf27-fcd0-4f69-888c-a706ddbd43c5" providerId="ADAL" clId="{96555AC3-DE5D-4EFB-A376-434487E394BF}" dt="2023-08-17T20:34:17.018" v="8" actId="20577"/>
+      <pc:docMkLst>
+        <pc:docMk/>
+      </pc:docMkLst>
     </pc:docChg>
   </pc:docChgLst>
   <pc:docChgLst>
@@ -324,6 +309,68 @@
             <ac:spMk id="22" creationId="{6436C1BA-6AC9-D645-BF31-F5E682FD2F19}"/>
           </ac:spMkLst>
         </pc:spChg>
+      </pc:sldChg>
+    </pc:docChg>
+  </pc:docChgLst>
+  <pc:docChgLst>
+    <pc:chgData name="Mariah Birgen" userId="b10ecf27-fcd0-4f69-888c-a706ddbd43c5" providerId="ADAL" clId="{553A39A2-D645-460F-A5D6-4FCBC5538FCC}"/>
+    <pc:docChg chg="modSld">
+      <pc:chgData name="Mariah Birgen" userId="b10ecf27-fcd0-4f69-888c-a706ddbd43c5" providerId="ADAL" clId="{553A39A2-D645-460F-A5D6-4FCBC5538FCC}" dt="2023-06-19T16:54:23.902" v="4" actId="20577"/>
+      <pc:docMkLst>
+        <pc:docMk/>
+      </pc:docMkLst>
+      <pc:sldChg chg="modSp mod">
+        <pc:chgData name="Mariah Birgen" userId="b10ecf27-fcd0-4f69-888c-a706ddbd43c5" providerId="ADAL" clId="{553A39A2-D645-460F-A5D6-4FCBC5538FCC}" dt="2023-06-19T16:54:23.902" v="4" actId="20577"/>
+        <pc:sldMkLst>
+          <pc:docMk/>
+          <pc:sldMk cId="1749219725" sldId="268"/>
+        </pc:sldMkLst>
+        <pc:spChg chg="mod">
+          <ac:chgData name="Mariah Birgen" userId="b10ecf27-fcd0-4f69-888c-a706ddbd43c5" providerId="ADAL" clId="{553A39A2-D645-460F-A5D6-4FCBC5538FCC}" dt="2023-06-19T16:54:23.902" v="4" actId="20577"/>
+          <ac:spMkLst>
+            <pc:docMk/>
+            <pc:sldMk cId="1749219725" sldId="268"/>
+            <ac:spMk id="22" creationId="{6436C1BA-6AC9-D645-BF31-F5E682FD2F19}"/>
+          </ac:spMkLst>
+        </pc:spChg>
+      </pc:sldChg>
+    </pc:docChg>
+  </pc:docChgLst>
+  <pc:docChgLst>
+    <pc:chgData name="Mariah Birgen" userId="b10ecf27-fcd0-4f69-888c-a706ddbd43c5" providerId="ADAL" clId="{66F75F14-E560-4273-A55F-08AA27A2BE3D}"/>
+    <pc:docChg chg="addSld delSld modSld">
+      <pc:chgData name="Mariah Birgen" userId="b10ecf27-fcd0-4f69-888c-a706ddbd43c5" providerId="ADAL" clId="{66F75F14-E560-4273-A55F-08AA27A2BE3D}" dt="2024-10-15T14:29:27.894" v="13" actId="47"/>
+      <pc:docMkLst>
+        <pc:docMk/>
+      </pc:docMkLst>
+      <pc:sldChg chg="modSp mod">
+        <pc:chgData name="Mariah Birgen" userId="b10ecf27-fcd0-4f69-888c-a706ddbd43c5" providerId="ADAL" clId="{66F75F14-E560-4273-A55F-08AA27A2BE3D}" dt="2024-10-15T14:27:55.152" v="9" actId="20577"/>
+        <pc:sldMkLst>
+          <pc:docMk/>
+          <pc:sldMk cId="1749219725" sldId="268"/>
+        </pc:sldMkLst>
+        <pc:spChg chg="mod">
+          <ac:chgData name="Mariah Birgen" userId="b10ecf27-fcd0-4f69-888c-a706ddbd43c5" providerId="ADAL" clId="{66F75F14-E560-4273-A55F-08AA27A2BE3D}" dt="2024-10-15T14:27:55.152" v="9" actId="20577"/>
+          <ac:spMkLst>
+            <pc:docMk/>
+            <pc:sldMk cId="1749219725" sldId="268"/>
+            <ac:spMk id="22" creationId="{6436C1BA-6AC9-D645-BF31-F5E682FD2F19}"/>
+          </ac:spMkLst>
+        </pc:spChg>
+      </pc:sldChg>
+      <pc:sldChg chg="new del">
+        <pc:chgData name="Mariah Birgen" userId="b10ecf27-fcd0-4f69-888c-a706ddbd43c5" providerId="ADAL" clId="{66F75F14-E560-4273-A55F-08AA27A2BE3D}" dt="2024-10-15T14:28:49.785" v="11" actId="47"/>
+        <pc:sldMkLst>
+          <pc:docMk/>
+          <pc:sldMk cId="895419774" sldId="270"/>
+        </pc:sldMkLst>
+      </pc:sldChg>
+      <pc:sldChg chg="new del">
+        <pc:chgData name="Mariah Birgen" userId="b10ecf27-fcd0-4f69-888c-a706ddbd43c5" providerId="ADAL" clId="{66F75F14-E560-4273-A55F-08AA27A2BE3D}" dt="2024-10-15T14:29:27.894" v="13" actId="47"/>
+        <pc:sldMkLst>
+          <pc:docMk/>
+          <pc:sldMk cId="2158051536" sldId="270"/>
+        </pc:sldMkLst>
       </pc:sldChg>
     </pc:docChg>
   </pc:docChgLst>
@@ -28499,7 +28546,7 @@
             <a:fld id="{D541487B-8511-D440-8421-7E31D83D5558}" type="datetimeFigureOut">
               <a:rPr lang="en-US" smtClean="0"/>
               <a:pPr/>
-              <a:t>5/20/2024</a:t>
+              <a:t>10/15/2024</a:t>
             </a:fld>
             <a:endParaRPr lang="en-US" dirty="0"/>
           </a:p>
@@ -29200,7 +29247,7 @@
             <a:fld id="{D541487B-8511-D440-8421-7E31D83D5558}" type="datetimeFigureOut">
               <a:rPr lang="en-US" smtClean="0"/>
               <a:pPr/>
-              <a:t>5/20/2024</a:t>
+              <a:t>10/15/2024</a:t>
             </a:fld>
             <a:endParaRPr lang="en-US" dirty="0"/>
           </a:p>
@@ -29775,7 +29822,7 @@
           <a:p>
             <a:fld id="{D541487B-8511-D440-8421-7E31D83D5558}" type="datetimeFigureOut">
               <a:rPr lang="en-US" smtClean="0"/>
-              <a:t>5/20/2024</a:t>
+              <a:t>10/15/2024</a:t>
             </a:fld>
             <a:endParaRPr lang="en-US" dirty="0"/>
           </a:p>
@@ -31851,7 +31898,7 @@
           <a:p>
             <a:fld id="{D541487B-8511-D440-8421-7E31D83D5558}" type="datetimeFigureOut">
               <a:rPr lang="en-US" smtClean="0"/>
-              <a:t>5/20/2024</a:t>
+              <a:t>10/15/2024</a:t>
             </a:fld>
             <a:endParaRPr lang="en-US" dirty="0"/>
           </a:p>
@@ -32399,7 +32446,7 @@
             <a:fld id="{435CA60F-FFC1-0F45-8FC4-48465EBE2778}" type="datetimeFigureOut">
               <a:rPr lang="en-US" smtClean="0"/>
               <a:pPr/>
-              <a:t>5/20/2024</a:t>
+              <a:t>10/15/2024</a:t>
             </a:fld>
             <a:endParaRPr lang="en-US" dirty="0"/>
           </a:p>
@@ -32962,7 +33009,7 @@
             <a:fld id="{313121A1-4E39-974B-A232-C4E939022B06}" type="datetimeFigureOut">
               <a:rPr lang="en-US" smtClean="0"/>
               <a:pPr/>
-              <a:t>5/20/2024</a:t>
+              <a:t>10/15/2024</a:t>
             </a:fld>
             <a:endParaRPr lang="en-US" dirty="0"/>
           </a:p>
@@ -33525,7 +33572,7 @@
             <a:fld id="{80038350-B08A-D84E-A34E-DF31257ED6A6}" type="datetimeFigureOut">
               <a:rPr lang="en-US" smtClean="0"/>
               <a:pPr/>
-              <a:t>5/20/2024</a:t>
+              <a:t>10/15/2024</a:t>
             </a:fld>
             <a:endParaRPr lang="en-US" dirty="0"/>
           </a:p>
@@ -34036,10 +34083,9 @@
           </a:p>
           <a:p>
             <a:r>
-              <a:rPr lang="en-US"/>
-              <a:t>May 20</a:t>
+              <a:rPr lang="en-US" dirty="0"/>
+              <a:t>October 21</a:t>
             </a:r>
-            <a:endParaRPr lang="en-US" dirty="0"/>
           </a:p>
         </p:txBody>
       </p:sp>
@@ -35570,35 +35616,6 @@
 </file>
 
 <file path=customXml/item1.xml><?xml version="1.0" encoding="utf-8"?>
-<?mso-contentType ?>
-<FormTemplates xmlns="http://schemas.microsoft.com/sharepoint/v3/contenttype/forms">
-  <Display>DocumentLibraryForm</Display>
-  <Edit>DocumentLibraryForm</Edit>
-  <New>DocumentLibraryForm</New>
-</FormTemplates>
-</file>
-
-<file path=customXml/item2.xml><?xml version="1.0" encoding="utf-8"?>
-<p:properties xmlns:p="http://schemas.microsoft.com/office/2006/metadata/properties" xmlns:xsi="http://www.w3.org/2001/XMLSchema-instance" xmlns:pc="http://schemas.microsoft.com/office/infopath/2007/PartnerControls">
-  <documentManagement>
-    <_ip_UnifiedCompliancePolicyUIAction xmlns="http://schemas.microsoft.com/sharepoint/v3" xsi:nil="true"/>
-    <Image xmlns="71af3243-3dd4-4a8d-8c0d-dd76da1f02a5">
-      <Url xsi:nil="true"/>
-      <Description xsi:nil="true"/>
-    </Image>
-    <Status xmlns="71af3243-3dd4-4a8d-8c0d-dd76da1f02a5">Not started</Status>
-    <Background xmlns="71af3243-3dd4-4a8d-8c0d-dd76da1f02a5">false</Background>
-    <_ip_UnifiedCompliancePolicyProperties xmlns="http://schemas.microsoft.com/sharepoint/v3" xsi:nil="true"/>
-    <ImageTagsTaxHTField xmlns="71af3243-3dd4-4a8d-8c0d-dd76da1f02a5">
-      <Terms xmlns="http://schemas.microsoft.com/office/infopath/2007/PartnerControls"/>
-    </ImageTagsTaxHTField>
-    <TaxCatchAll xmlns="230e9df3-be65-4c73-a93b-d1236ebd677e" xsi:nil="true"/>
-    <MediaServiceKeyPoints xmlns="71af3243-3dd4-4a8d-8c0d-dd76da1f02a5" xsi:nil="true"/>
-  </documentManagement>
-</p:properties>
-</file>
-
-<file path=customXml/item3.xml><?xml version="1.0" encoding="utf-8"?>
 <ct:contentTypeSchema xmlns:ct="http://schemas.microsoft.com/office/2006/metadata/contentType" xmlns:ma="http://schemas.microsoft.com/office/2006/metadata/properties/metaAttributes" ct:_="" ma:_="" ma:contentTypeName="Document" ma:contentTypeID="0x01010079F111ED35F8CC479449609E8A0923A6" ma:contentTypeVersion="24" ma:contentTypeDescription="Create a new document." ma:contentTypeScope="" ma:versionID="2d714a3296df14eba7a100bb665443ca">
   <xsd:schema xmlns:xsd="http://www.w3.org/2001/XMLSchema" xmlns:xs="http://www.w3.org/2001/XMLSchema" xmlns:p="http://schemas.microsoft.com/office/2006/metadata/properties" xmlns:ns1="http://schemas.microsoft.com/sharepoint/v3" xmlns:ns2="71af3243-3dd4-4a8d-8c0d-dd76da1f02a5" xmlns:ns3="16c05727-aa75-4e4a-9b5f-8a80a1165891" xmlns:ns4="230e9df3-be65-4c73-a93b-d1236ebd677e" targetNamespace="http://schemas.microsoft.com/office/2006/metadata/properties" ma:root="true" ma:fieldsID="49549bf45bfbbfb6cffed527380e77e1" ns1:_="" ns2:_="" ns3:_="" ns4:_="">
     <xsd:import namespace="http://schemas.microsoft.com/sharepoint/v3"/>
@@ -35886,34 +35903,36 @@
 </ct:contentTypeSchema>
 </file>
 
-<file path=customXml/itemProps1.xml><?xml version="1.0" encoding="utf-8"?>
-<ds:datastoreItem xmlns:ds="http://schemas.openxmlformats.org/officeDocument/2006/customXml" ds:itemID="{4EE84556-F5AA-4F8D-9601-4206B119FC55}">
-  <ds:schemaRefs>
-    <ds:schemaRef ds:uri="http://schemas.microsoft.com/sharepoint/v3/contenttype/forms"/>
-  </ds:schemaRefs>
-</ds:datastoreItem>
+<file path=customXml/item2.xml><?xml version="1.0" encoding="utf-8"?>
+<?mso-contentType ?>
+<FormTemplates xmlns="http://schemas.microsoft.com/sharepoint/v3/contenttype/forms">
+  <Display>DocumentLibraryForm</Display>
+  <Edit>DocumentLibraryForm</Edit>
+  <New>DocumentLibraryForm</New>
+</FormTemplates>
 </file>
 
-<file path=customXml/itemProps2.xml><?xml version="1.0" encoding="utf-8"?>
-<ds:datastoreItem xmlns:ds="http://schemas.openxmlformats.org/officeDocument/2006/customXml" ds:itemID="{9E9BB509-C5F1-4914-8021-036A31979402}">
-  <ds:schemaRefs>
-    <ds:schemaRef ds:uri="http://purl.org/dc/elements/1.1/"/>
-    <ds:schemaRef ds:uri="http://schemas.microsoft.com/office/2006/metadata/properties"/>
-    <ds:schemaRef ds:uri="230e9df3-be65-4c73-a93b-d1236ebd677e"/>
-    <ds:schemaRef ds:uri="http://schemas.microsoft.com/sharepoint/v3"/>
-    <ds:schemaRef ds:uri="http://schemas.microsoft.com/office/2006/documentManagement/types"/>
-    <ds:schemaRef ds:uri="http://purl.org/dc/terms/"/>
-    <ds:schemaRef ds:uri="16c05727-aa75-4e4a-9b5f-8a80a1165891"/>
-    <ds:schemaRef ds:uri="http://purl.org/dc/dcmitype/"/>
-    <ds:schemaRef ds:uri="http://schemas.microsoft.com/office/infopath/2007/PartnerControls"/>
-    <ds:schemaRef ds:uri="http://schemas.openxmlformats.org/package/2006/metadata/core-properties"/>
-    <ds:schemaRef ds:uri="71af3243-3dd4-4a8d-8c0d-dd76da1f02a5"/>
-    <ds:schemaRef ds:uri="http://www.w3.org/XML/1998/namespace"/>
-  </ds:schemaRefs>
-</ds:datastoreItem>
+<file path=customXml/item3.xml><?xml version="1.0" encoding="utf-8"?>
+<p:properties xmlns:p="http://schemas.microsoft.com/office/2006/metadata/properties" xmlns:xsi="http://www.w3.org/2001/XMLSchema-instance" xmlns:pc="http://schemas.microsoft.com/office/infopath/2007/PartnerControls">
+  <documentManagement>
+    <_ip_UnifiedCompliancePolicyUIAction xmlns="http://schemas.microsoft.com/sharepoint/v3" xsi:nil="true"/>
+    <Image xmlns="71af3243-3dd4-4a8d-8c0d-dd76da1f02a5">
+      <Url xsi:nil="true"/>
+      <Description xsi:nil="true"/>
+    </Image>
+    <Status xmlns="71af3243-3dd4-4a8d-8c0d-dd76da1f02a5">Not started</Status>
+    <Background xmlns="71af3243-3dd4-4a8d-8c0d-dd76da1f02a5">false</Background>
+    <_ip_UnifiedCompliancePolicyProperties xmlns="http://schemas.microsoft.com/sharepoint/v3" xsi:nil="true"/>
+    <ImageTagsTaxHTField xmlns="71af3243-3dd4-4a8d-8c0d-dd76da1f02a5">
+      <Terms xmlns="http://schemas.microsoft.com/office/infopath/2007/PartnerControls"/>
+    </ImageTagsTaxHTField>
+    <TaxCatchAll xmlns="230e9df3-be65-4c73-a93b-d1236ebd677e" xsi:nil="true"/>
+    <MediaServiceKeyPoints xmlns="71af3243-3dd4-4a8d-8c0d-dd76da1f02a5" xsi:nil="true"/>
+  </documentManagement>
+</p:properties>
 </file>
 
-<file path=customXml/itemProps3.xml><?xml version="1.0" encoding="utf-8"?>
+<file path=customXml/itemProps1.xml><?xml version="1.0" encoding="utf-8"?>
 <ds:datastoreItem xmlns:ds="http://schemas.openxmlformats.org/officeDocument/2006/customXml" ds:itemID="{A00843E1-5DC4-4971-839F-6A32559DAC7F}">
   <ds:schemaRefs>
     <ds:schemaRef ds:uri="http://schemas.microsoft.com/office/2006/metadata/contentType"/>
@@ -35932,4 +35951,31 @@
     <ds:schemaRef ds:uri="http://schemas.microsoft.com/internal/obd"/>
   </ds:schemaRefs>
 </ds:datastoreItem>
+</file>
+
+<file path=customXml/itemProps2.xml><?xml version="1.0" encoding="utf-8"?>
+<ds:datastoreItem xmlns:ds="http://schemas.openxmlformats.org/officeDocument/2006/customXml" ds:itemID="{4EE84556-F5AA-4F8D-9601-4206B119FC55}">
+  <ds:schemaRefs>
+    <ds:schemaRef ds:uri="http://schemas.microsoft.com/sharepoint/v3/contenttype/forms"/>
+  </ds:schemaRefs>
+</ds:datastoreItem>
+</file>
+
+<file path=customXml/itemProps3.xml><?xml version="1.0" encoding="utf-8"?>
+<ds:datastoreItem xmlns:ds="http://schemas.openxmlformats.org/officeDocument/2006/customXml" ds:itemID="{9E9BB509-C5F1-4914-8021-036A31979402}">
+  <ds:schemaRefs>
+    <ds:schemaRef ds:uri="http://schemas.microsoft.com/sharepoint/v3"/>
+    <ds:schemaRef ds:uri="http://www.w3.org/XML/1998/namespace"/>
+    <ds:schemaRef ds:uri="http://schemas.microsoft.com/office/infopath/2007/PartnerControls"/>
+    <ds:schemaRef ds:uri="http://schemas.openxmlformats.org/package/2006/metadata/core-properties"/>
+    <ds:schemaRef ds:uri="230e9df3-be65-4c73-a93b-d1236ebd677e"/>
+    <ds:schemaRef ds:uri="16c05727-aa75-4e4a-9b5f-8a80a1165891"/>
+    <ds:schemaRef ds:uri="http://purl.org/dc/terms/"/>
+    <ds:schemaRef ds:uri="http://purl.org/dc/dcmitype/"/>
+    <ds:schemaRef ds:uri="http://schemas.microsoft.com/office/2006/documentManagement/types"/>
+    <ds:schemaRef ds:uri="71af3243-3dd4-4a8d-8c0d-dd76da1f02a5"/>
+    <ds:schemaRef ds:uri="http://schemas.microsoft.com/office/2006/metadata/properties"/>
+    <ds:schemaRef ds:uri="http://purl.org/dc/elements/1.1/"/>
+  </ds:schemaRefs>
+</ds:datastoreItem>
 </file>
--- a/MathsJam.pptx
+++ b/MathsJam.pptx
@@ -121,6 +121,79 @@
 <file path=ppt/changesInfos/changesInfo1.xml><?xml version="1.0" encoding="utf-8"?>
 <pc:chgInfo xmlns:a="http://schemas.openxmlformats.org/drawingml/2006/main" xmlns:r="http://schemas.openxmlformats.org/officeDocument/2006/relationships" xmlns:ac="http://schemas.microsoft.com/office/drawing/2013/main/command" xmlns:pc="http://schemas.microsoft.com/office/powerpoint/2013/main/command">
   <pc:docChgLst>
+    <pc:chgData name="Mariah Birgen" userId="b10ecf27-fcd0-4f69-888c-a706ddbd43c5" providerId="ADAL" clId="{6C2F3DE5-ECD4-4EED-9A11-23B51B8E8E84}"/>
+    <pc:docChg chg="modSld sldOrd">
+      <pc:chgData name="Mariah Birgen" userId="b10ecf27-fcd0-4f69-888c-a706ddbd43c5" providerId="ADAL" clId="{6C2F3DE5-ECD4-4EED-9A11-23B51B8E8E84}" dt="2024-05-20T13:41:35.952" v="55" actId="20577"/>
+      <pc:docMkLst>
+        <pc:docMk/>
+      </pc:docMkLst>
+      <pc:sldChg chg="ord">
+        <pc:chgData name="Mariah Birgen" userId="b10ecf27-fcd0-4f69-888c-a706ddbd43c5" providerId="ADAL" clId="{6C2F3DE5-ECD4-4EED-9A11-23B51B8E8E84}" dt="2024-02-12T22:32:18.380" v="24"/>
+        <pc:sldMkLst>
+          <pc:docMk/>
+          <pc:sldMk cId="3276218933" sldId="264"/>
+        </pc:sldMkLst>
+      </pc:sldChg>
+    </pc:docChg>
+  </pc:docChgLst>
+  <pc:docChgLst>
+    <pc:chgData name="Mariah Birgen" userId="b10ecf27-fcd0-4f69-888c-a706ddbd43c5" providerId="ADAL" clId="{071B7BDA-2325-4648-AC71-0CFA04F1C332}"/>
+    <pc:docChg chg="modSld">
+      <pc:chgData name="Mariah Birgen" userId="b10ecf27-fcd0-4f69-888c-a706ddbd43c5" providerId="ADAL" clId="{071B7BDA-2325-4648-AC71-0CFA04F1C332}" dt="2023-09-14T12:45:28.137" v="11" actId="20577"/>
+      <pc:docMkLst>
+        <pc:docMk/>
+      </pc:docMkLst>
+      <pc:sldChg chg="modSp mod">
+        <pc:chgData name="Mariah Birgen" userId="b10ecf27-fcd0-4f69-888c-a706ddbd43c5" providerId="ADAL" clId="{071B7BDA-2325-4648-AC71-0CFA04F1C332}" dt="2023-09-14T12:45:28.137" v="11" actId="20577"/>
+        <pc:sldMkLst>
+          <pc:docMk/>
+          <pc:sldMk cId="1749219725" sldId="268"/>
+        </pc:sldMkLst>
+      </pc:sldChg>
+    </pc:docChg>
+  </pc:docChgLst>
+  <pc:docChgLst>
+    <pc:chgData name="Mariah Birgen" userId="b10ecf27-fcd0-4f69-888c-a706ddbd43c5" providerId="ADAL" clId="{F01D81EE-DAC7-44A7-B810-CCF6CDE9EEBD}"/>
+    <pc:docChg chg="modSld">
+      <pc:chgData name="Mariah Birgen" userId="b10ecf27-fcd0-4f69-888c-a706ddbd43c5" providerId="ADAL" clId="{F01D81EE-DAC7-44A7-B810-CCF6CDE9EEBD}" dt="2024-09-11T15:09:45.589" v="24" actId="20577"/>
+      <pc:docMkLst>
+        <pc:docMk/>
+      </pc:docMkLst>
+    </pc:docChg>
+  </pc:docChgLst>
+  <pc:docChgLst>
+    <pc:chgData name="Mariah Birgen" userId="b10ecf27-fcd0-4f69-888c-a706ddbd43c5" providerId="ADAL" clId="{553A39A2-D645-460F-A5D6-4FCBC5538FCC}"/>
+    <pc:docChg chg="modSld">
+      <pc:chgData name="Mariah Birgen" userId="b10ecf27-fcd0-4f69-888c-a706ddbd43c5" providerId="ADAL" clId="{553A39A2-D645-460F-A5D6-4FCBC5538FCC}" dt="2023-06-19T16:54:23.902" v="4" actId="20577"/>
+      <pc:docMkLst>
+        <pc:docMk/>
+      </pc:docMkLst>
+      <pc:sldChg chg="modSp mod">
+        <pc:chgData name="Mariah Birgen" userId="b10ecf27-fcd0-4f69-888c-a706ddbd43c5" providerId="ADAL" clId="{553A39A2-D645-460F-A5D6-4FCBC5538FCC}" dt="2023-06-19T16:54:23.902" v="4" actId="20577"/>
+        <pc:sldMkLst>
+          <pc:docMk/>
+          <pc:sldMk cId="1749219725" sldId="268"/>
+        </pc:sldMkLst>
+      </pc:sldChg>
+    </pc:docChg>
+  </pc:docChgLst>
+  <pc:docChgLst>
+    <pc:chgData name="Mariah Birgen" userId="b10ecf27-fcd0-4f69-888c-a706ddbd43c5" providerId="ADAL" clId="{85C8202E-B9B5-4531-BF9B-A71D80EF7553}"/>
+    <pc:docChg chg="modSld">
+      <pc:chgData name="Mariah Birgen" userId="b10ecf27-fcd0-4f69-888c-a706ddbd43c5" providerId="ADAL" clId="{85C8202E-B9B5-4531-BF9B-A71D80EF7553}" dt="2023-10-12T14:56:28.004" v="9" actId="20577"/>
+      <pc:docMkLst>
+        <pc:docMk/>
+      </pc:docMkLst>
+      <pc:sldChg chg="modSp mod">
+        <pc:chgData name="Mariah Birgen" userId="b10ecf27-fcd0-4f69-888c-a706ddbd43c5" providerId="ADAL" clId="{85C8202E-B9B5-4531-BF9B-A71D80EF7553}" dt="2023-10-12T14:56:28.004" v="9" actId="20577"/>
+        <pc:sldMkLst>
+          <pc:docMk/>
+          <pc:sldMk cId="1749219725" sldId="268"/>
+        </pc:sldMkLst>
+      </pc:sldChg>
+    </pc:docChg>
+  </pc:docChgLst>
+  <pc:docChgLst>
     <pc:chgData name="Mariah Birgen" userId="b10ecf27-fcd0-4f69-888c-a706ddbd43c5" providerId="ADAL" clId="{1F14A5C9-F64D-4924-9B4B-8827A8E48F45}"/>
     <pc:docChg chg="custSel modSld">
       <pc:chgData name="Mariah Birgen" userId="b10ecf27-fcd0-4f69-888c-a706ddbd43c5" providerId="ADAL" clId="{1F14A5C9-F64D-4924-9B4B-8827A8E48F45}" dt="2023-05-21T18:12:26.548" v="14" actId="20577"/>
@@ -133,22 +206,6 @@
           <pc:docMk/>
           <pc:sldMk cId="1749219725" sldId="268"/>
         </pc:sldMkLst>
-        <pc:spChg chg="del">
-          <ac:chgData name="Mariah Birgen" userId="b10ecf27-fcd0-4f69-888c-a706ddbd43c5" providerId="ADAL" clId="{1F14A5C9-F64D-4924-9B4B-8827A8E48F45}" dt="2023-04-11T20:53:52.811" v="0" actId="478"/>
-          <ac:spMkLst>
-            <pc:docMk/>
-            <pc:sldMk cId="1749219725" sldId="268"/>
-            <ac:spMk id="4" creationId="{6407BD81-55AF-887F-2ABC-A5B92B30F59C}"/>
-          </ac:spMkLst>
-        </pc:spChg>
-        <pc:spChg chg="mod">
-          <ac:chgData name="Mariah Birgen" userId="b10ecf27-fcd0-4f69-888c-a706ddbd43c5" providerId="ADAL" clId="{1F14A5C9-F64D-4924-9B4B-8827A8E48F45}" dt="2023-05-21T18:12:26.548" v="14" actId="20577"/>
-          <ac:spMkLst>
-            <pc:docMk/>
-            <pc:sldMk cId="1749219725" sldId="268"/>
-            <ac:spMk id="22" creationId="{6436C1BA-6AC9-D645-BF31-F5E682FD2F19}"/>
-          </ac:spMkLst>
-        </pc:spChg>
       </pc:sldChg>
     </pc:docChg>
   </pc:docChgLst>
@@ -165,62 +222,6 @@
           <pc:docMk/>
           <pc:sldMk cId="1749219725" sldId="268"/>
         </pc:sldMkLst>
-        <pc:spChg chg="mod">
-          <ac:chgData name="Mariah Birgen" userId="b10ecf27-fcd0-4f69-888c-a706ddbd43c5" providerId="ADAL" clId="{D7AE51E1-A1BD-4FF1-A88E-5788D1ED818C}" dt="2023-11-14T22:25:42.633" v="9" actId="20577"/>
-          <ac:spMkLst>
-            <pc:docMk/>
-            <pc:sldMk cId="1749219725" sldId="268"/>
-            <ac:spMk id="22" creationId="{6436C1BA-6AC9-D645-BF31-F5E682FD2F19}"/>
-          </ac:spMkLst>
-        </pc:spChg>
-      </pc:sldChg>
-    </pc:docChg>
-  </pc:docChgLst>
-  <pc:docChgLst>
-    <pc:chgData name="Mariah Birgen" userId="b10ecf27-fcd0-4f69-888c-a706ddbd43c5" providerId="ADAL" clId="{85C8202E-B9B5-4531-BF9B-A71D80EF7553}"/>
-    <pc:docChg chg="modSld">
-      <pc:chgData name="Mariah Birgen" userId="b10ecf27-fcd0-4f69-888c-a706ddbd43c5" providerId="ADAL" clId="{85C8202E-B9B5-4531-BF9B-A71D80EF7553}" dt="2023-10-12T14:56:28.004" v="9" actId="20577"/>
-      <pc:docMkLst>
-        <pc:docMk/>
-      </pc:docMkLst>
-      <pc:sldChg chg="modSp mod">
-        <pc:chgData name="Mariah Birgen" userId="b10ecf27-fcd0-4f69-888c-a706ddbd43c5" providerId="ADAL" clId="{85C8202E-B9B5-4531-BF9B-A71D80EF7553}" dt="2023-10-12T14:56:28.004" v="9" actId="20577"/>
-        <pc:sldMkLst>
-          <pc:docMk/>
-          <pc:sldMk cId="1749219725" sldId="268"/>
-        </pc:sldMkLst>
-        <pc:spChg chg="mod">
-          <ac:chgData name="Mariah Birgen" userId="b10ecf27-fcd0-4f69-888c-a706ddbd43c5" providerId="ADAL" clId="{85C8202E-B9B5-4531-BF9B-A71D80EF7553}" dt="2023-10-12T14:56:28.004" v="9" actId="20577"/>
-          <ac:spMkLst>
-            <pc:docMk/>
-            <pc:sldMk cId="1749219725" sldId="268"/>
-            <ac:spMk id="22" creationId="{6436C1BA-6AC9-D645-BF31-F5E682FD2F19}"/>
-          </ac:spMkLst>
-        </pc:spChg>
-      </pc:sldChg>
-    </pc:docChg>
-  </pc:docChgLst>
-  <pc:docChgLst>
-    <pc:chgData name="Mariah Birgen" userId="b10ecf27-fcd0-4f69-888c-a706ddbd43c5" providerId="ADAL" clId="{F01D81EE-DAC7-44A7-B810-CCF6CDE9EEBD}"/>
-    <pc:docChg chg="modSld">
-      <pc:chgData name="Mariah Birgen" userId="b10ecf27-fcd0-4f69-888c-a706ddbd43c5" providerId="ADAL" clId="{F01D81EE-DAC7-44A7-B810-CCF6CDE9EEBD}" dt="2024-09-11T15:09:45.589" v="24" actId="20577"/>
-      <pc:docMkLst>
-        <pc:docMk/>
-      </pc:docMkLst>
-      <pc:sldChg chg="modSp mod">
-        <pc:chgData name="Mariah Birgen" userId="b10ecf27-fcd0-4f69-888c-a706ddbd43c5" providerId="ADAL" clId="{F01D81EE-DAC7-44A7-B810-CCF6CDE9EEBD}" dt="2024-09-11T15:09:45.589" v="24" actId="20577"/>
-        <pc:sldMkLst>
-          <pc:docMk/>
-          <pc:sldMk cId="1749219725" sldId="268"/>
-        </pc:sldMkLst>
-        <pc:spChg chg="mod">
-          <ac:chgData name="Mariah Birgen" userId="b10ecf27-fcd0-4f69-888c-a706ddbd43c5" providerId="ADAL" clId="{F01D81EE-DAC7-44A7-B810-CCF6CDE9EEBD}" dt="2024-09-11T15:09:45.589" v="24" actId="20577"/>
-          <ac:spMkLst>
-            <pc:docMk/>
-            <pc:sldMk cId="1749219725" sldId="268"/>
-            <ac:spMk id="22" creationId="{6436C1BA-6AC9-D645-BF31-F5E682FD2F19}"/>
-          </ac:spMkLst>
-        </pc:spChg>
       </pc:sldChg>
     </pc:docChg>
   </pc:docChgLst>
@@ -237,102 +238,6 @@
           <pc:docMk/>
           <pc:sldMk cId="1749219725" sldId="268"/>
         </pc:sldMkLst>
-        <pc:spChg chg="add mod">
-          <ac:chgData name="Mariah Birgen" userId="b10ecf27-fcd0-4f69-888c-a706ddbd43c5" providerId="ADAL" clId="{E9D2D8D7-A9B2-4585-82F1-B5E35DFACF77}" dt="2023-03-15T15:28:32.720" v="24" actId="1076"/>
-          <ac:spMkLst>
-            <pc:docMk/>
-            <pc:sldMk cId="1749219725" sldId="268"/>
-            <ac:spMk id="4" creationId="{6407BD81-55AF-887F-2ABC-A5B92B30F59C}"/>
-          </ac:spMkLst>
-        </pc:spChg>
-      </pc:sldChg>
-    </pc:docChg>
-  </pc:docChgLst>
-  <pc:docChgLst>
-    <pc:chgData name="Mariah Birgen" userId="b10ecf27-fcd0-4f69-888c-a706ddbd43c5" providerId="ADAL" clId="{071B7BDA-2325-4648-AC71-0CFA04F1C332}"/>
-    <pc:docChg chg="modSld">
-      <pc:chgData name="Mariah Birgen" userId="b10ecf27-fcd0-4f69-888c-a706ddbd43c5" providerId="ADAL" clId="{071B7BDA-2325-4648-AC71-0CFA04F1C332}" dt="2023-09-14T12:45:28.137" v="11" actId="20577"/>
-      <pc:docMkLst>
-        <pc:docMk/>
-      </pc:docMkLst>
-      <pc:sldChg chg="modSp mod">
-        <pc:chgData name="Mariah Birgen" userId="b10ecf27-fcd0-4f69-888c-a706ddbd43c5" providerId="ADAL" clId="{071B7BDA-2325-4648-AC71-0CFA04F1C332}" dt="2023-09-14T12:45:28.137" v="11" actId="20577"/>
-        <pc:sldMkLst>
-          <pc:docMk/>
-          <pc:sldMk cId="1749219725" sldId="268"/>
-        </pc:sldMkLst>
-        <pc:spChg chg="mod">
-          <ac:chgData name="Mariah Birgen" userId="b10ecf27-fcd0-4f69-888c-a706ddbd43c5" providerId="ADAL" clId="{071B7BDA-2325-4648-AC71-0CFA04F1C332}" dt="2023-09-14T12:45:28.137" v="11" actId="20577"/>
-          <ac:spMkLst>
-            <pc:docMk/>
-            <pc:sldMk cId="1749219725" sldId="268"/>
-            <ac:spMk id="22" creationId="{6436C1BA-6AC9-D645-BF31-F5E682FD2F19}"/>
-          </ac:spMkLst>
-        </pc:spChg>
-      </pc:sldChg>
-    </pc:docChg>
-  </pc:docChgLst>
-  <pc:docChgLst>
-    <pc:chgData name="Mariah Birgen" userId="b10ecf27-fcd0-4f69-888c-a706ddbd43c5" providerId="ADAL" clId="{96555AC3-DE5D-4EFB-A376-434487E394BF}"/>
-    <pc:docChg chg="modSld">
-      <pc:chgData name="Mariah Birgen" userId="b10ecf27-fcd0-4f69-888c-a706ddbd43c5" providerId="ADAL" clId="{96555AC3-DE5D-4EFB-A376-434487E394BF}" dt="2023-08-17T20:34:17.018" v="8" actId="20577"/>
-      <pc:docMkLst>
-        <pc:docMk/>
-      </pc:docMkLst>
-    </pc:docChg>
-  </pc:docChgLst>
-  <pc:docChgLst>
-    <pc:chgData name="Mariah Birgen" userId="b10ecf27-fcd0-4f69-888c-a706ddbd43c5" providerId="ADAL" clId="{6C2F3DE5-ECD4-4EED-9A11-23B51B8E8E84}"/>
-    <pc:docChg chg="modSld sldOrd">
-      <pc:chgData name="Mariah Birgen" userId="b10ecf27-fcd0-4f69-888c-a706ddbd43c5" providerId="ADAL" clId="{6C2F3DE5-ECD4-4EED-9A11-23B51B8E8E84}" dt="2024-05-20T13:41:35.952" v="55" actId="20577"/>
-      <pc:docMkLst>
-        <pc:docMk/>
-      </pc:docMkLst>
-      <pc:sldChg chg="ord">
-        <pc:chgData name="Mariah Birgen" userId="b10ecf27-fcd0-4f69-888c-a706ddbd43c5" providerId="ADAL" clId="{6C2F3DE5-ECD4-4EED-9A11-23B51B8E8E84}" dt="2024-02-12T22:32:18.380" v="24"/>
-        <pc:sldMkLst>
-          <pc:docMk/>
-          <pc:sldMk cId="3276218933" sldId="264"/>
-        </pc:sldMkLst>
-      </pc:sldChg>
-      <pc:sldChg chg="modSp mod">
-        <pc:chgData name="Mariah Birgen" userId="b10ecf27-fcd0-4f69-888c-a706ddbd43c5" providerId="ADAL" clId="{6C2F3DE5-ECD4-4EED-9A11-23B51B8E8E84}" dt="2024-05-20T13:41:35.952" v="55" actId="20577"/>
-        <pc:sldMkLst>
-          <pc:docMk/>
-          <pc:sldMk cId="1749219725" sldId="268"/>
-        </pc:sldMkLst>
-        <pc:spChg chg="mod">
-          <ac:chgData name="Mariah Birgen" userId="b10ecf27-fcd0-4f69-888c-a706ddbd43c5" providerId="ADAL" clId="{6C2F3DE5-ECD4-4EED-9A11-23B51B8E8E84}" dt="2024-05-20T13:41:35.952" v="55" actId="20577"/>
-          <ac:spMkLst>
-            <pc:docMk/>
-            <pc:sldMk cId="1749219725" sldId="268"/>
-            <ac:spMk id="22" creationId="{6436C1BA-6AC9-D645-BF31-F5E682FD2F19}"/>
-          </ac:spMkLst>
-        </pc:spChg>
-      </pc:sldChg>
-    </pc:docChg>
-  </pc:docChgLst>
-  <pc:docChgLst>
-    <pc:chgData name="Mariah Birgen" userId="b10ecf27-fcd0-4f69-888c-a706ddbd43c5" providerId="ADAL" clId="{553A39A2-D645-460F-A5D6-4FCBC5538FCC}"/>
-    <pc:docChg chg="modSld">
-      <pc:chgData name="Mariah Birgen" userId="b10ecf27-fcd0-4f69-888c-a706ddbd43c5" providerId="ADAL" clId="{553A39A2-D645-460F-A5D6-4FCBC5538FCC}" dt="2023-06-19T16:54:23.902" v="4" actId="20577"/>
-      <pc:docMkLst>
-        <pc:docMk/>
-      </pc:docMkLst>
-      <pc:sldChg chg="modSp mod">
-        <pc:chgData name="Mariah Birgen" userId="b10ecf27-fcd0-4f69-888c-a706ddbd43c5" providerId="ADAL" clId="{553A39A2-D645-460F-A5D6-4FCBC5538FCC}" dt="2023-06-19T16:54:23.902" v="4" actId="20577"/>
-        <pc:sldMkLst>
-          <pc:docMk/>
-          <pc:sldMk cId="1749219725" sldId="268"/>
-        </pc:sldMkLst>
-        <pc:spChg chg="mod">
-          <ac:chgData name="Mariah Birgen" userId="b10ecf27-fcd0-4f69-888c-a706ddbd43c5" providerId="ADAL" clId="{553A39A2-D645-460F-A5D6-4FCBC5538FCC}" dt="2023-06-19T16:54:23.902" v="4" actId="20577"/>
-          <ac:spMkLst>
-            <pc:docMk/>
-            <pc:sldMk cId="1749219725" sldId="268"/>
-            <ac:spMk id="22" creationId="{6436C1BA-6AC9-D645-BF31-F5E682FD2F19}"/>
-          </ac:spMkLst>
-        </pc:spChg>
       </pc:sldChg>
     </pc:docChg>
   </pc:docChgLst>
@@ -349,14 +254,6 @@
           <pc:docMk/>
           <pc:sldMk cId="1749219725" sldId="268"/>
         </pc:sldMkLst>
-        <pc:spChg chg="mod">
-          <ac:chgData name="Mariah Birgen" userId="b10ecf27-fcd0-4f69-888c-a706ddbd43c5" providerId="ADAL" clId="{66F75F14-E560-4273-A55F-08AA27A2BE3D}" dt="2024-10-15T14:27:55.152" v="9" actId="20577"/>
-          <ac:spMkLst>
-            <pc:docMk/>
-            <pc:sldMk cId="1749219725" sldId="268"/>
-            <ac:spMk id="22" creationId="{6436C1BA-6AC9-D645-BF31-F5E682FD2F19}"/>
-          </ac:spMkLst>
-        </pc:spChg>
       </pc:sldChg>
       <pc:sldChg chg="new del">
         <pc:chgData name="Mariah Birgen" userId="b10ecf27-fcd0-4f69-888c-a706ddbd43c5" providerId="ADAL" clId="{66F75F14-E560-4273-A55F-08AA27A2BE3D}" dt="2024-10-15T14:28:49.785" v="11" actId="47"/>
@@ -372,6 +269,72 @@
           <pc:sldMk cId="2158051536" sldId="270"/>
         </pc:sldMkLst>
       </pc:sldChg>
+    </pc:docChg>
+  </pc:docChgLst>
+  <pc:docChgLst>
+    <pc:chgData name="Mariah Birgen" userId="b10ecf27-fcd0-4f69-888c-a706ddbd43c5" providerId="ADAL" clId="{96555AC3-DE5D-4EFB-A376-434487E394BF}"/>
+    <pc:docChg chg="modSld">
+      <pc:chgData name="Mariah Birgen" userId="b10ecf27-fcd0-4f69-888c-a706ddbd43c5" providerId="ADAL" clId="{96555AC3-DE5D-4EFB-A376-434487E394BF}" dt="2023-08-17T20:34:17.018" v="8" actId="20577"/>
+      <pc:docMkLst>
+        <pc:docMk/>
+      </pc:docMkLst>
+    </pc:docChg>
+  </pc:docChgLst>
+  <pc:docChgLst>
+    <pc:chgData name="Mariah Birgen" userId="b10ecf27-fcd0-4f69-888c-a706ddbd43c5" providerId="ADAL" clId="{D60D91E1-7F2D-4853-87A5-1A0BF6E3F639}"/>
+    <pc:docChg chg="modSld">
+      <pc:chgData name="Mariah Birgen" userId="b10ecf27-fcd0-4f69-888c-a706ddbd43c5" providerId="ADAL" clId="{D60D91E1-7F2D-4853-87A5-1A0BF6E3F639}" dt="2024-12-03T17:49:22.190" v="9" actId="20577"/>
+      <pc:docMkLst>
+        <pc:docMk/>
+      </pc:docMkLst>
+      <pc:sldChg chg="modSp mod">
+        <pc:chgData name="Mariah Birgen" userId="b10ecf27-fcd0-4f69-888c-a706ddbd43c5" providerId="ADAL" clId="{D60D91E1-7F2D-4853-87A5-1A0BF6E3F639}" dt="2024-12-03T17:49:22.190" v="9" actId="20577"/>
+        <pc:sldMkLst>
+          <pc:docMk/>
+          <pc:sldMk cId="1749219725" sldId="268"/>
+        </pc:sldMkLst>
+        <pc:spChg chg="mod">
+          <ac:chgData name="Mariah Birgen" userId="b10ecf27-fcd0-4f69-888c-a706ddbd43c5" providerId="ADAL" clId="{D60D91E1-7F2D-4853-87A5-1A0BF6E3F639}" dt="2024-12-03T17:49:22.190" v="9" actId="20577"/>
+          <ac:spMkLst>
+            <pc:docMk/>
+            <pc:sldMk cId="1749219725" sldId="268"/>
+            <ac:spMk id="22" creationId="{6436C1BA-6AC9-D645-BF31-F5E682FD2F19}"/>
+          </ac:spMkLst>
+        </pc:spChg>
+      </pc:sldChg>
+    </pc:docChg>
+  </pc:docChgLst>
+  <pc:docChgLst>
+    <pc:chgData name="Mariah Birgen" userId="b10ecf27-fcd0-4f69-888c-a706ddbd43c5" providerId="ADAL" clId="{C7326BDB-8F62-4A47-81E1-D91EE6B5CB14}"/>
+    <pc:docChg chg="modSld">
+      <pc:chgData name="Mariah Birgen" userId="b10ecf27-fcd0-4f69-888c-a706ddbd43c5" providerId="ADAL" clId="{C7326BDB-8F62-4A47-81E1-D91EE6B5CB14}" dt="2025-02-07T22:06:20.819" v="16" actId="20577"/>
+      <pc:docMkLst>
+        <pc:docMk/>
+      </pc:docMkLst>
+      <pc:sldChg chg="modSp mod">
+        <pc:chgData name="Mariah Birgen" userId="b10ecf27-fcd0-4f69-888c-a706ddbd43c5" providerId="ADAL" clId="{C7326BDB-8F62-4A47-81E1-D91EE6B5CB14}" dt="2025-02-07T22:06:20.819" v="16" actId="20577"/>
+        <pc:sldMkLst>
+          <pc:docMk/>
+          <pc:sldMk cId="1749219725" sldId="268"/>
+        </pc:sldMkLst>
+        <pc:spChg chg="mod">
+          <ac:chgData name="Mariah Birgen" userId="b10ecf27-fcd0-4f69-888c-a706ddbd43c5" providerId="ADAL" clId="{C7326BDB-8F62-4A47-81E1-D91EE6B5CB14}" dt="2025-02-07T22:06:20.819" v="16" actId="20577"/>
+          <ac:spMkLst>
+            <pc:docMk/>
+            <pc:sldMk cId="1749219725" sldId="268"/>
+            <ac:spMk id="22" creationId="{6436C1BA-6AC9-D645-BF31-F5E682FD2F19}"/>
+          </ac:spMkLst>
+        </pc:spChg>
+      </pc:sldChg>
+    </pc:docChg>
+  </pc:docChgLst>
+  <pc:docChgLst>
+    <pc:chgData name="Mariah Birgen" userId="b10ecf27-fcd0-4f69-888c-a706ddbd43c5" providerId="ADAL" clId="{B31A474B-6F01-47DC-BC5D-969D8C561890}"/>
+    <pc:docChg chg="modSld">
+      <pc:chgData name="Mariah Birgen" userId="b10ecf27-fcd0-4f69-888c-a706ddbd43c5" providerId="ADAL" clId="{B31A474B-6F01-47DC-BC5D-969D8C561890}" dt="2024-11-08T15:20:33.634" v="10" actId="20577"/>
+      <pc:docMkLst>
+        <pc:docMk/>
+      </pc:docMkLst>
     </pc:docChg>
   </pc:docChgLst>
 </pc:chgInfo>
@@ -28546,7 +28509,7 @@
             <a:fld id="{D541487B-8511-D440-8421-7E31D83D5558}" type="datetimeFigureOut">
               <a:rPr lang="en-US" smtClean="0"/>
               <a:pPr/>
-              <a:t>10/15/2024</a:t>
+              <a:t>2/7/2025</a:t>
             </a:fld>
             <a:endParaRPr lang="en-US" dirty="0"/>
           </a:p>
@@ -29247,7 +29210,7 @@
             <a:fld id="{D541487B-8511-D440-8421-7E31D83D5558}" type="datetimeFigureOut">
               <a:rPr lang="en-US" smtClean="0"/>
               <a:pPr/>
-              <a:t>10/15/2024</a:t>
+              <a:t>2/7/2025</a:t>
             </a:fld>
             <a:endParaRPr lang="en-US" dirty="0"/>
           </a:p>
@@ -29822,7 +29785,7 @@
           <a:p>
             <a:fld id="{D541487B-8511-D440-8421-7E31D83D5558}" type="datetimeFigureOut">
               <a:rPr lang="en-US" smtClean="0"/>
-              <a:t>10/15/2024</a:t>
+              <a:t>2/7/2025</a:t>
             </a:fld>
             <a:endParaRPr lang="en-US" dirty="0"/>
           </a:p>
@@ -31898,7 +31861,7 @@
           <a:p>
             <a:fld id="{D541487B-8511-D440-8421-7E31D83D5558}" type="datetimeFigureOut">
               <a:rPr lang="en-US" smtClean="0"/>
-              <a:t>10/15/2024</a:t>
+              <a:t>2/7/2025</a:t>
             </a:fld>
             <a:endParaRPr lang="en-US" dirty="0"/>
           </a:p>
@@ -32446,7 +32409,7 @@
             <a:fld id="{435CA60F-FFC1-0F45-8FC4-48465EBE2778}" type="datetimeFigureOut">
               <a:rPr lang="en-US" smtClean="0"/>
               <a:pPr/>
-              <a:t>10/15/2024</a:t>
+              <a:t>2/7/2025</a:t>
             </a:fld>
             <a:endParaRPr lang="en-US" dirty="0"/>
           </a:p>
@@ -33009,7 +32972,7 @@
             <a:fld id="{313121A1-4E39-974B-A232-C4E939022B06}" type="datetimeFigureOut">
               <a:rPr lang="en-US" smtClean="0"/>
               <a:pPr/>
-              <a:t>10/15/2024</a:t>
+              <a:t>2/7/2025</a:t>
             </a:fld>
             <a:endParaRPr lang="en-US" dirty="0"/>
           </a:p>
@@ -33572,7 +33535,7 @@
             <a:fld id="{80038350-B08A-D84E-A34E-DF31257ED6A6}" type="datetimeFigureOut">
               <a:rPr lang="en-US" smtClean="0"/>
               <a:pPr/>
-              <a:t>10/15/2024</a:t>
+              <a:t>2/7/2025</a:t>
             </a:fld>
             <a:endParaRPr lang="en-US" dirty="0"/>
           </a:p>
@@ -34075,7 +34038,7 @@
           <a:p>
             <a:r>
               <a:rPr lang="en-US" dirty="0"/>
-              <a:t>Monday</a:t>
+              <a:t>Friday</a:t>
             </a:r>
           </a:p>
           <a:p>
@@ -34083,9 +34046,10 @@
           </a:p>
           <a:p>
             <a:r>
-              <a:rPr lang="en-US" dirty="0"/>
-              <a:t>October 21</a:t>
+              <a:rPr lang="en-US"/>
+              <a:t>February 21</a:t>
             </a:r>
+            <a:endParaRPr lang="en-US" dirty="0"/>
           </a:p>
         </p:txBody>
       </p:sp>
@@ -35616,6 +35580,15 @@
 </file>
 
 <file path=customXml/item1.xml><?xml version="1.0" encoding="utf-8"?>
+<?mso-contentType ?>
+<FormTemplates xmlns="http://schemas.microsoft.com/sharepoint/v3/contenttype/forms">
+  <Display>DocumentLibraryForm</Display>
+  <Edit>DocumentLibraryForm</Edit>
+  <New>DocumentLibraryForm</New>
+</FormTemplates>
+</file>
+
+<file path=customXml/item2.xml><?xml version="1.0" encoding="utf-8"?>
 <ct:contentTypeSchema xmlns:ct="http://schemas.microsoft.com/office/2006/metadata/contentType" xmlns:ma="http://schemas.microsoft.com/office/2006/metadata/properties/metaAttributes" ct:_="" ma:_="" ma:contentTypeName="Document" ma:contentTypeID="0x01010079F111ED35F8CC479449609E8A0923A6" ma:contentTypeVersion="24" ma:contentTypeDescription="Create a new document." ma:contentTypeScope="" ma:versionID="2d714a3296df14eba7a100bb665443ca">
   <xsd:schema xmlns:xsd="http://www.w3.org/2001/XMLSchema" xmlns:xs="http://www.w3.org/2001/XMLSchema" xmlns:p="http://schemas.microsoft.com/office/2006/metadata/properties" xmlns:ns1="http://schemas.microsoft.com/sharepoint/v3" xmlns:ns2="71af3243-3dd4-4a8d-8c0d-dd76da1f02a5" xmlns:ns3="16c05727-aa75-4e4a-9b5f-8a80a1165891" xmlns:ns4="230e9df3-be65-4c73-a93b-d1236ebd677e" targetNamespace="http://schemas.microsoft.com/office/2006/metadata/properties" ma:root="true" ma:fieldsID="49549bf45bfbbfb6cffed527380e77e1" ns1:_="" ns2:_="" ns3:_="" ns4:_="">
     <xsd:import namespace="http://schemas.microsoft.com/sharepoint/v3"/>
@@ -35903,15 +35876,6 @@
 </ct:contentTypeSchema>
 </file>
 
-<file path=customXml/item2.xml><?xml version="1.0" encoding="utf-8"?>
-<?mso-contentType ?>
-<FormTemplates xmlns="http://schemas.microsoft.com/sharepoint/v3/contenttype/forms">
-  <Display>DocumentLibraryForm</Display>
-  <Edit>DocumentLibraryForm</Edit>
-  <New>DocumentLibraryForm</New>
-</FormTemplates>
-</file>
-
 <file path=customXml/item3.xml><?xml version="1.0" encoding="utf-8"?>
 <p:properties xmlns:p="http://schemas.microsoft.com/office/2006/metadata/properties" xmlns:xsi="http://www.w3.org/2001/XMLSchema-instance" xmlns:pc="http://schemas.microsoft.com/office/infopath/2007/PartnerControls">
   <documentManagement>
@@ -35933,6 +35897,14 @@
 </file>
 
 <file path=customXml/itemProps1.xml><?xml version="1.0" encoding="utf-8"?>
+<ds:datastoreItem xmlns:ds="http://schemas.openxmlformats.org/officeDocument/2006/customXml" ds:itemID="{4EE84556-F5AA-4F8D-9601-4206B119FC55}">
+  <ds:schemaRefs>
+    <ds:schemaRef ds:uri="http://schemas.microsoft.com/sharepoint/v3/contenttype/forms"/>
+  </ds:schemaRefs>
+</ds:datastoreItem>
+</file>
+
+<file path=customXml/itemProps2.xml><?xml version="1.0" encoding="utf-8"?>
 <ds:datastoreItem xmlns:ds="http://schemas.openxmlformats.org/officeDocument/2006/customXml" ds:itemID="{A00843E1-5DC4-4971-839F-6A32559DAC7F}">
   <ds:schemaRefs>
     <ds:schemaRef ds:uri="http://schemas.microsoft.com/office/2006/metadata/contentType"/>
@@ -35949,14 +35921,6 @@
     <ds:schemaRef ds:uri="http://purl.org/dc/elements/1.1/"/>
     <ds:schemaRef ds:uri="http://purl.org/dc/terms/"/>
     <ds:schemaRef ds:uri="http://schemas.microsoft.com/internal/obd"/>
-  </ds:schemaRefs>
-</ds:datastoreItem>
-</file>
-
-<file path=customXml/itemProps2.xml><?xml version="1.0" encoding="utf-8"?>
-<ds:datastoreItem xmlns:ds="http://schemas.openxmlformats.org/officeDocument/2006/customXml" ds:itemID="{4EE84556-F5AA-4F8D-9601-4206B119FC55}">
-  <ds:schemaRefs>
-    <ds:schemaRef ds:uri="http://schemas.microsoft.com/sharepoint/v3/contenttype/forms"/>
   </ds:schemaRefs>
 </ds:datastoreItem>
 </file>
